--- a/Crabby Cabis Final Project.pptx
+++ b/Crabby Cabis Final Project.pptx
@@ -5,7 +5,7 @@
     <p:sldMasterId id="2147483648" r:id="rId1"/>
   </p:sldMasterIdLst>
   <p:notesMasterIdLst>
-    <p:notesMasterId r:id="rId12"/>
+    <p:notesMasterId r:id="rId11"/>
   </p:notesMasterIdLst>
   <p:sldIdLst>
     <p:sldId id="256" r:id="rId2"/>
@@ -16,8 +16,7 @@
     <p:sldId id="272" r:id="rId7"/>
     <p:sldId id="273" r:id="rId8"/>
     <p:sldId id="265" r:id="rId9"/>
-    <p:sldId id="264" r:id="rId10"/>
-    <p:sldId id="266" r:id="rId11"/>
+    <p:sldId id="266" r:id="rId10"/>
   </p:sldIdLst>
   <p:sldSz cx="12192000" cy="6858000"/>
   <p:notesSz cx="6858000" cy="9144000"/>
@@ -7547,118 +7546,6 @@
 </p:sld>
 </file>
 
-<file path=ppt/slides/slide10.xml><?xml version="1.0" encoding="utf-8"?>
-<p:sld xmlns:a="http://schemas.openxmlformats.org/drawingml/2006/main" xmlns:r="http://schemas.openxmlformats.org/officeDocument/2006/relationships" xmlns:p="http://schemas.openxmlformats.org/presentationml/2006/main">
-  <p:cSld>
-    <p:bg>
-      <p:bgPr>
-        <a:solidFill>
-          <a:schemeClr val="bg1"/>
-        </a:solidFill>
-        <a:effectLst/>
-      </p:bgPr>
-    </p:bg>
-    <p:spTree>
-      <p:nvGrpSpPr>
-        <p:cNvPr id="1" name=""/>
-        <p:cNvGrpSpPr/>
-        <p:nvPr/>
-      </p:nvGrpSpPr>
-      <p:grpSpPr>
-        <a:xfrm>
-          <a:off x="0" y="0"/>
-          <a:ext cx="0" cy="0"/>
-          <a:chOff x="0" y="0"/>
-          <a:chExt cx="0" cy="0"/>
-        </a:xfrm>
-      </p:grpSpPr>
-      <p:sp>
-        <p:nvSpPr>
-          <p:cNvPr id="2" name="Title 1">
-            <a:extLst>
-              <a:ext uri="{FF2B5EF4-FFF2-40B4-BE49-F238E27FC236}">
-                <a16:creationId xmlns:a16="http://schemas.microsoft.com/office/drawing/2014/main" id="{16C4CB43-4E2F-E44B-9651-8C8F8F74EEF1}"/>
-              </a:ext>
-            </a:extLst>
-          </p:cNvPr>
-          <p:cNvSpPr>
-            <a:spLocks noGrp="1"/>
-          </p:cNvSpPr>
-          <p:nvPr>
-            <p:ph type="title"/>
-          </p:nvPr>
-        </p:nvSpPr>
-        <p:spPr>
-          <a:xfrm>
-            <a:off x="2304623" y="2816370"/>
-            <a:ext cx="2738432" cy="1225259"/>
-          </a:xfrm>
-        </p:spPr>
-        <p:txBody>
-          <a:bodyPr>
-            <a:normAutofit fontScale="90000"/>
-          </a:bodyPr>
-          <a:lstStyle/>
-          <a:p>
-            <a:r>
-              <a:rPr lang="en-US" sz="8800" dirty="0"/>
-              <a:t>Q &amp; A</a:t>
-            </a:r>
-          </a:p>
-        </p:txBody>
-      </p:sp>
-      <p:pic>
-        <p:nvPicPr>
-          <p:cNvPr id="7" name="Graphic 6" descr="Help">
-            <a:extLst>
-              <a:ext uri="{FF2B5EF4-FFF2-40B4-BE49-F238E27FC236}">
-                <a16:creationId xmlns:a16="http://schemas.microsoft.com/office/drawing/2014/main" id="{49FFC360-1A5D-472C-8FAF-17E5707588C7}"/>
-              </a:ext>
-            </a:extLst>
-          </p:cNvPr>
-          <p:cNvPicPr>
-            <a:picLocks noChangeAspect="1"/>
-          </p:cNvPicPr>
-          <p:nvPr/>
-        </p:nvPicPr>
-        <p:blipFill>
-          <a:blip r:embed="rId2">
-            <a:extLst>
-              <a:ext uri="{28A0092B-C50C-407E-A947-70E740481C1C}">
-                <a14:useLocalDpi xmlns:a14="http://schemas.microsoft.com/office/drawing/2010/main" val="0"/>
-              </a:ext>
-              <a:ext uri="{96DAC541-7B7A-43D3-8B79-37D633B846F1}">
-                <asvg:svgBlip xmlns:asvg="http://schemas.microsoft.com/office/drawing/2016/SVG/main" r:embed="rId3"/>
-              </a:ext>
-            </a:extLst>
-          </a:blip>
-          <a:stretch>
-            <a:fillRect/>
-          </a:stretch>
-        </p:blipFill>
-        <p:spPr>
-          <a:xfrm>
-            <a:off x="6098193" y="853757"/>
-            <a:ext cx="5176744" cy="5176744"/>
-          </a:xfrm>
-          <a:prstGeom prst="rect">
-            <a:avLst/>
-          </a:prstGeom>
-        </p:spPr>
-      </p:pic>
-    </p:spTree>
-    <p:extLst>
-      <p:ext uri="{BB962C8B-B14F-4D97-AF65-F5344CB8AC3E}">
-        <p14:creationId xmlns:p14="http://schemas.microsoft.com/office/powerpoint/2010/main" val="2332968331"/>
-      </p:ext>
-    </p:extLst>
-  </p:cSld>
-  <p:clrMapOvr>
-    <a:masterClrMapping/>
-  </p:clrMapOvr>
-</p:sld>
-</file>
-
 <file path=ppt/slides/slide2.xml><?xml version="1.0" encoding="utf-8"?>
 <p:sld xmlns:a="http://schemas.openxmlformats.org/drawingml/2006/main" xmlns:r="http://schemas.openxmlformats.org/officeDocument/2006/relationships" xmlns:p="http://schemas.openxmlformats.org/presentationml/2006/main">
   <p:cSld>
@@ -7891,13 +7778,6 @@
               <a:buFont typeface="Wingdings" pitchFamily="2" charset="2"/>
               <a:buChar char="§"/>
             </a:pPr>
-            <a:endParaRPr lang="en-US" sz="2800" dirty="0"/>
-          </a:p>
-          <a:p>
-            <a:pPr lvl="1">
-              <a:buFont typeface="Wingdings" pitchFamily="2" charset="2"/>
-              <a:buChar char="§"/>
-            </a:pPr>
             <a:r>
               <a:rPr lang="en-US" sz="2800" dirty="0"/>
               <a:t>What type of riders use and do not use bike share?</a:t>
@@ -8118,7 +7998,7 @@
         </p:spPr>
         <p:txBody>
           <a:bodyPr vert="horz" lIns="91440" tIns="45720" rIns="91440" bIns="45720" rtlCol="0">
-            <a:normAutofit fontScale="85000" lnSpcReduction="20000"/>
+            <a:normAutofit fontScale="70000" lnSpcReduction="20000"/>
           </a:bodyPr>
           <a:lstStyle>
             <a:lvl1pPr marL="228600" indent="-228600" algn="l" defTabSz="914400" rtl="0" eaLnBrk="1" latinLnBrk="0" hangingPunct="1">
@@ -8395,7 +8275,7 @@
             <a:pPr lvl="1"/>
             <a:r>
               <a:rPr lang="en-US" dirty="0"/>
-              <a:t>Docks number full / empty</a:t>
+              <a:t>Docks number full / number empty</a:t>
             </a:r>
           </a:p>
           <a:p>
@@ -8408,7 +8288,7 @@
             <a:pPr lvl="1"/>
             <a:r>
               <a:rPr lang="en-US" dirty="0"/>
-              <a:t>DC ward Housing, Social, Economic, Demographic data</a:t>
+              <a:t>DC Ward Housing, Social, Economic, Demographic data</a:t>
             </a:r>
           </a:p>
           <a:p>
@@ -8423,6 +8303,29 @@
               <a:rPr lang="en-US" dirty="0"/>
               <a:t>DC Ward GeoJSON Boundaries</a:t>
             </a:r>
+          </a:p>
+          <a:p>
+            <a:r>
+              <a:rPr lang="en-US" dirty="0"/>
+              <a:t>Historical Weather Metrics</a:t>
+            </a:r>
+          </a:p>
+          <a:p>
+            <a:pPr lvl="1"/>
+            <a:r>
+              <a:rPr lang="en-US" dirty="0"/>
+              <a:t>Temperature</a:t>
+            </a:r>
+          </a:p>
+          <a:p>
+            <a:pPr lvl="1"/>
+            <a:r>
+              <a:rPr lang="en-US" dirty="0"/>
+              <a:t>Precipitation</a:t>
+            </a:r>
+          </a:p>
+          <a:p>
+            <a:endParaRPr lang="en-US" dirty="0"/>
           </a:p>
         </p:txBody>
       </p:sp>
@@ -8505,7 +8408,7 @@
           <a:bodyPr/>
           <a:lstStyle/>
           <a:p>
-            <a:endParaRPr lang="en-US"/>
+            <a:endParaRPr lang="en-US" dirty="0"/>
           </a:p>
         </p:txBody>
       </p:sp>
@@ -8583,14 +8486,14 @@
             <p:ph idx="1"/>
             <p:extLst>
               <p:ext uri="{D42A27DB-BD31-4B8C-83A1-F6EECF244321}">
-                <p14:modId xmlns:p14="http://schemas.microsoft.com/office/powerpoint/2010/main" val="3286603641"/>
+                <p14:modId xmlns:p14="http://schemas.microsoft.com/office/powerpoint/2010/main" val="1876032933"/>
               </p:ext>
             </p:extLst>
           </p:nvPr>
         </p:nvGraphicFramePr>
         <p:xfrm>
           <a:off x="1366587" y="1416313"/>
-          <a:ext cx="9458826" cy="3358116"/>
+          <a:ext cx="9458826" cy="2798430"/>
         </p:xfrm>
         <a:graphic>
           <a:graphicData uri="http://schemas.openxmlformats.org/drawingml/2006/table">
@@ -8675,12 +8578,12 @@
                     <a:p>
                       <a:pPr algn="l" fontAlgn="b"/>
                       <a:r>
-                        <a:rPr lang="en-US" sz="1200" u="none" strike="noStrike">
+                        <a:rPr lang="en-US" sz="1200" u="none" strike="noStrike" dirty="0">
                           <a:effectLst/>
                         </a:rPr>
-                        <a:t>Commuting To Work - Walked</a:t>
+                        <a:t>Commuting To Work - Mean travel time to work (minutes)	</a:t>
                       </a:r>
-                      <a:endParaRPr lang="en-US" sz="1200" b="0" i="0" u="none" strike="noStrike">
+                      <a:endParaRPr lang="en-US" sz="1200" b="0" i="0" u="none" strike="noStrike" dirty="0">
                         <a:solidFill>
                           <a:srgbClr val="000000"/>
                         </a:solidFill>
@@ -8698,12 +8601,12 @@
                     <a:p>
                       <a:pPr algn="l" fontAlgn="b"/>
                       <a:r>
-                        <a:rPr lang="en-US" sz="1200" u="none" strike="noStrike">
+                        <a:rPr lang="en-US" sz="1200" u="none" strike="noStrike" dirty="0">
                           <a:effectLst/>
                         </a:rPr>
-                        <a:t>         0.99 </a:t>
+                        <a:t>         0.77</a:t>
                       </a:r>
-                      <a:endParaRPr lang="en-US" sz="1200" b="0" i="0" u="none" strike="noStrike">
+                      <a:endParaRPr lang="en-US" sz="1200" b="0" i="0" u="none" strike="noStrike" dirty="0">
                         <a:solidFill>
                           <a:srgbClr val="000000"/>
                         </a:solidFill>
@@ -8781,12 +8684,12 @@
                     <a:p>
                       <a:pPr algn="l" fontAlgn="b"/>
                       <a:r>
-                        <a:rPr lang="en-US" sz="1200" u="none" strike="noStrike">
+                        <a:rPr lang="en-US" sz="1200" u="none" strike="noStrike" dirty="0">
                           <a:effectLst/>
                         </a:rPr>
                         <a:t>School Enrollment - College or graduate school</a:t>
                       </a:r>
-                      <a:endParaRPr lang="en-US" sz="1200" b="0" i="0" u="none" strike="noStrike">
+                      <a:endParaRPr lang="en-US" sz="1200" b="0" i="0" u="none" strike="noStrike" dirty="0">
                         <a:solidFill>
                           <a:srgbClr val="000000"/>
                         </a:solidFill>
@@ -8890,7 +8793,7 @@
                         <a:rPr lang="en-US" sz="1200" u="none" strike="noStrike" dirty="0">
                           <a:effectLst/>
                         </a:rPr>
-                        <a:t>Households By Type - Householder living alone</a:t>
+                        <a:t>School Enrollment - Nursery school, preschool</a:t>
                       </a:r>
                       <a:endParaRPr lang="en-US" sz="1200" b="0" i="0" u="none" strike="noStrike" dirty="0">
                         <a:solidFill>
@@ -8910,118 +8813,12 @@
                     <a:p>
                       <a:pPr algn="l" fontAlgn="b"/>
                       <a:r>
-                        <a:rPr lang="en-US" sz="1200" u="none" strike="noStrike">
-                          <a:effectLst/>
-                        </a:rPr>
-                        <a:t>         0.72 </a:t>
-                      </a:r>
-                      <a:endParaRPr lang="en-US" sz="1200" b="0" i="0" u="none" strike="noStrike">
-                        <a:solidFill>
-                          <a:srgbClr val="000000"/>
-                        </a:solidFill>
-                        <a:effectLst/>
-                        <a:latin typeface="Calibri" panose="020F0502020204030204" pitchFamily="34" charset="0"/>
-                      </a:endParaRPr>
-                    </a:p>
-                  </a:txBody>
-                  <a:tcPr marL="3682" marR="3682" marT="3682" marB="0" anchor="b"/>
-                </a:tc>
-                <a:extLst>
-                  <a:ext uri="{0D108BD9-81ED-4DB2-BD59-A6C34878D82A}">
-                    <a16:rowId xmlns:a16="http://schemas.microsoft.com/office/drawing/2014/main" val="452044722"/>
-                  </a:ext>
-                </a:extLst>
-              </a:tr>
-              <a:tr h="132922">
-                <a:tc>
-                  <a:txBody>
-                    <a:bodyPr/>
-                    <a:lstStyle/>
-                    <a:p>
-                      <a:pPr algn="l" fontAlgn="b"/>
-                      <a:r>
-                        <a:rPr lang="en-US" sz="1200" u="none" strike="noStrike">
-                          <a:effectLst/>
-                        </a:rPr>
-                        <a:t>Households By Type - Households with one or more people under 18 years</a:t>
-                      </a:r>
-                      <a:endParaRPr lang="en-US" sz="1200" b="0" i="0" u="none" strike="noStrike">
-                        <a:solidFill>
-                          <a:srgbClr val="000000"/>
-                        </a:solidFill>
-                        <a:effectLst/>
-                        <a:latin typeface="Calibri" panose="020F0502020204030204" pitchFamily="34" charset="0"/>
-                      </a:endParaRPr>
-                    </a:p>
-                  </a:txBody>
-                  <a:tcPr marL="3682" marR="3682" marT="3682" marB="0" anchor="b"/>
-                </a:tc>
-                <a:tc>
-                  <a:txBody>
-                    <a:bodyPr/>
-                    <a:lstStyle/>
-                    <a:p>
-                      <a:pPr algn="l" fontAlgn="b"/>
-                      <a:r>
-                        <a:rPr lang="en-US" sz="1200" u="none" strike="noStrike">
-                          <a:effectLst/>
-                        </a:rPr>
-                        <a:t>         0.73 </a:t>
-                      </a:r>
-                      <a:endParaRPr lang="en-US" sz="1200" b="0" i="0" u="none" strike="noStrike">
-                        <a:solidFill>
-                          <a:srgbClr val="000000"/>
-                        </a:solidFill>
-                        <a:effectLst/>
-                        <a:latin typeface="Calibri" panose="020F0502020204030204" pitchFamily="34" charset="0"/>
-                      </a:endParaRPr>
-                    </a:p>
-                  </a:txBody>
-                  <a:tcPr marL="3682" marR="3682" marT="3682" marB="0" anchor="b"/>
-                </a:tc>
-                <a:extLst>
-                  <a:ext uri="{0D108BD9-81ED-4DB2-BD59-A6C34878D82A}">
-                    <a16:rowId xmlns:a16="http://schemas.microsoft.com/office/drawing/2014/main" val="2140218317"/>
-                  </a:ext>
-                </a:extLst>
-              </a:tr>
-              <a:tr h="132922">
-                <a:tc>
-                  <a:txBody>
-                    <a:bodyPr/>
-                    <a:lstStyle/>
-                    <a:p>
-                      <a:pPr algn="l" fontAlgn="b"/>
-                      <a:r>
-                        <a:rPr lang="en-US" sz="1200" u="none" strike="noStrike">
-                          <a:effectLst/>
-                        </a:rPr>
-                        <a:t>School Enrollment - Nursery school, preschool</a:t>
-                      </a:r>
-                      <a:endParaRPr lang="en-US" sz="1200" b="0" i="0" u="none" strike="noStrike">
-                        <a:solidFill>
-                          <a:srgbClr val="000000"/>
-                        </a:solidFill>
-                        <a:effectLst/>
-                        <a:latin typeface="Calibri" panose="020F0502020204030204" pitchFamily="34" charset="0"/>
-                      </a:endParaRPr>
-                    </a:p>
-                  </a:txBody>
-                  <a:tcPr marL="3682" marR="3682" marT="3682" marB="0" anchor="b"/>
-                </a:tc>
-                <a:tc>
-                  <a:txBody>
-                    <a:bodyPr/>
-                    <a:lstStyle/>
-                    <a:p>
-                      <a:pPr algn="l" fontAlgn="b"/>
-                      <a:r>
-                        <a:rPr lang="en-US" sz="1200" u="none" strike="noStrike">
+                        <a:rPr lang="en-US" sz="1200" u="none" strike="noStrike" dirty="0">
                           <a:effectLst/>
                         </a:rPr>
                         <a:t>         0.67 </a:t>
                       </a:r>
-                      <a:endParaRPr lang="en-US" sz="1200" b="0" i="0" u="none" strike="noStrike">
+                      <a:endParaRPr lang="en-US" sz="1200" b="0" i="0" u="none" strike="noStrike" dirty="0">
                         <a:solidFill>
                           <a:srgbClr val="000000"/>
                         </a:solidFill>
@@ -9513,62 +9310,9 @@
                         <a:rPr lang="en-US" sz="1200" u="none" strike="noStrike" dirty="0">
                           <a:effectLst/>
                         </a:rPr>
-                        <a:t>Race Alone Or In Combination With One Or More Other Races - American Indian and Alaska Native</a:t>
+                        <a:t>Industry - Agriculture, forestry, fishing and hunting, and mining</a:t>
                       </a:r>
                       <a:endParaRPr lang="en-US" sz="1200" b="0" i="0" u="none" strike="noStrike" dirty="0">
-                        <a:solidFill>
-                          <a:srgbClr val="000000"/>
-                        </a:solidFill>
-                        <a:effectLst/>
-                        <a:latin typeface="Calibri" panose="020F0502020204030204" pitchFamily="34" charset="0"/>
-                      </a:endParaRPr>
-                    </a:p>
-                  </a:txBody>
-                  <a:tcPr marL="3682" marR="3682" marT="3682" marB="0" anchor="b"/>
-                </a:tc>
-                <a:tc>
-                  <a:txBody>
-                    <a:bodyPr/>
-                    <a:lstStyle/>
-                    <a:p>
-                      <a:pPr algn="l" fontAlgn="b"/>
-                      <a:r>
-                        <a:rPr lang="en-US" sz="1200" u="none" strike="noStrike">
-                          <a:effectLst/>
-                        </a:rPr>
-                        <a:t>             -   </a:t>
-                      </a:r>
-                      <a:endParaRPr lang="en-US" sz="1200" b="0" i="0" u="none" strike="noStrike">
-                        <a:solidFill>
-                          <a:srgbClr val="000000"/>
-                        </a:solidFill>
-                        <a:effectLst/>
-                        <a:latin typeface="Calibri" panose="020F0502020204030204" pitchFamily="34" charset="0"/>
-                      </a:endParaRPr>
-                    </a:p>
-                  </a:txBody>
-                  <a:tcPr marL="3682" marR="3682" marT="3682" marB="0" anchor="b"/>
-                </a:tc>
-                <a:extLst>
-                  <a:ext uri="{0D108BD9-81ED-4DB2-BD59-A6C34878D82A}">
-                    <a16:rowId xmlns:a16="http://schemas.microsoft.com/office/drawing/2014/main" val="1456806685"/>
-                  </a:ext>
-                </a:extLst>
-              </a:tr>
-              <a:tr h="132922">
-                <a:tc>
-                  <a:txBody>
-                    <a:bodyPr/>
-                    <a:lstStyle/>
-                    <a:p>
-                      <a:pPr algn="l" fontAlgn="b"/>
-                      <a:r>
-                        <a:rPr lang="en-US" sz="1200" u="none" strike="noStrike">
-                          <a:effectLst/>
-                        </a:rPr>
-                        <a:t>Industry - Agriculture, forestry, fishing and hunting, and mining</a:t>
-                      </a:r>
-                      <a:endParaRPr lang="en-US" sz="1200" b="0" i="0" u="none" strike="noStrike">
                         <a:solidFill>
                           <a:srgbClr val="000000"/>
                         </a:solidFill>
@@ -9628,8 +9372,426 @@
         </p:nvSpPr>
         <p:spPr>
           <a:xfrm>
-            <a:off x="1251678" y="5046784"/>
-            <a:ext cx="10178322" cy="1428831"/>
+            <a:off x="1251678" y="4633546"/>
+            <a:ext cx="10178322" cy="1842069"/>
+          </a:xfrm>
+          <a:prstGeom prst="rect">
+            <a:avLst/>
+          </a:prstGeom>
+        </p:spPr>
+        <p:txBody>
+          <a:bodyPr vert="horz" lIns="91440" tIns="45720" rIns="91440" bIns="45720" rtlCol="0">
+            <a:normAutofit fontScale="85000" lnSpcReduction="20000"/>
+          </a:bodyPr>
+          <a:lstStyle>
+            <a:lvl1pPr marL="228600" indent="-228600" algn="l" defTabSz="914400" rtl="0" eaLnBrk="1" latinLnBrk="0" hangingPunct="1">
+              <a:lnSpc>
+                <a:spcPct val="110000"/>
+              </a:lnSpc>
+              <a:spcBef>
+                <a:spcPts val="700"/>
+              </a:spcBef>
+              <a:buClr>
+                <a:schemeClr val="tx2"/>
+              </a:buClr>
+              <a:buFont typeface="Arial" panose="020B0604020202020204" pitchFamily="34" charset="0"/>
+              <a:buChar char="•"/>
+              <a:defRPr sz="2000" kern="1200">
+                <a:solidFill>
+                  <a:schemeClr val="tx1">
+                    <a:lumMod val="65000"/>
+                    <a:lumOff val="35000"/>
+                  </a:schemeClr>
+                </a:solidFill>
+                <a:latin typeface="+mn-lt"/>
+                <a:ea typeface="+mn-ea"/>
+                <a:cs typeface="+mn-cs"/>
+              </a:defRPr>
+            </a:lvl1pPr>
+            <a:lvl2pPr marL="685800" indent="-228600" algn="l" defTabSz="914400" rtl="0" eaLnBrk="1" latinLnBrk="0" hangingPunct="1">
+              <a:lnSpc>
+                <a:spcPct val="110000"/>
+              </a:lnSpc>
+              <a:spcBef>
+                <a:spcPts val="700"/>
+              </a:spcBef>
+              <a:buClr>
+                <a:schemeClr val="tx2"/>
+              </a:buClr>
+              <a:buFont typeface="Gill Sans MT" panose="020B0502020104020203" pitchFamily="34" charset="0"/>
+              <a:buChar char="–"/>
+              <a:defRPr sz="1800" kern="1200">
+                <a:solidFill>
+                  <a:schemeClr val="tx1">
+                    <a:lumMod val="65000"/>
+                    <a:lumOff val="35000"/>
+                  </a:schemeClr>
+                </a:solidFill>
+                <a:latin typeface="+mn-lt"/>
+                <a:ea typeface="+mn-ea"/>
+                <a:cs typeface="+mn-cs"/>
+              </a:defRPr>
+            </a:lvl2pPr>
+            <a:lvl3pPr marL="1143000" indent="-228600" algn="l" defTabSz="914400" rtl="0" eaLnBrk="1" latinLnBrk="0" hangingPunct="1">
+              <a:lnSpc>
+                <a:spcPct val="110000"/>
+              </a:lnSpc>
+              <a:spcBef>
+                <a:spcPts val="700"/>
+              </a:spcBef>
+              <a:buClr>
+                <a:schemeClr val="tx2"/>
+              </a:buClr>
+              <a:buFont typeface="Arial" panose="020B0604020202020204" pitchFamily="34" charset="0"/>
+              <a:buChar char="•"/>
+              <a:defRPr sz="1600" kern="1200">
+                <a:solidFill>
+                  <a:schemeClr val="tx1">
+                    <a:lumMod val="65000"/>
+                    <a:lumOff val="35000"/>
+                  </a:schemeClr>
+                </a:solidFill>
+                <a:latin typeface="+mn-lt"/>
+                <a:ea typeface="+mn-ea"/>
+                <a:cs typeface="+mn-cs"/>
+              </a:defRPr>
+            </a:lvl3pPr>
+            <a:lvl4pPr marL="1600200" indent="-228600" algn="l" defTabSz="914400" rtl="0" eaLnBrk="1" latinLnBrk="0" hangingPunct="1">
+              <a:lnSpc>
+                <a:spcPct val="110000"/>
+              </a:lnSpc>
+              <a:spcBef>
+                <a:spcPts val="700"/>
+              </a:spcBef>
+              <a:buClr>
+                <a:schemeClr val="tx2"/>
+              </a:buClr>
+              <a:buFont typeface="Gill Sans MT" panose="020B0502020104020203" pitchFamily="34" charset="0"/>
+              <a:buChar char="–"/>
+              <a:defRPr sz="1400" kern="1200">
+                <a:solidFill>
+                  <a:schemeClr val="tx1">
+                    <a:lumMod val="65000"/>
+                    <a:lumOff val="35000"/>
+                  </a:schemeClr>
+                </a:solidFill>
+                <a:latin typeface="+mn-lt"/>
+                <a:ea typeface="+mn-ea"/>
+                <a:cs typeface="+mn-cs"/>
+              </a:defRPr>
+            </a:lvl4pPr>
+            <a:lvl5pPr marL="2057400" indent="-228600" algn="l" defTabSz="914400" rtl="0" eaLnBrk="1" latinLnBrk="0" hangingPunct="1">
+              <a:lnSpc>
+                <a:spcPct val="110000"/>
+              </a:lnSpc>
+              <a:spcBef>
+                <a:spcPts val="700"/>
+              </a:spcBef>
+              <a:buClr>
+                <a:schemeClr val="tx2"/>
+              </a:buClr>
+              <a:buFont typeface="Arial" panose="020B0604020202020204" pitchFamily="34" charset="0"/>
+              <a:buChar char="•"/>
+              <a:defRPr sz="1400" kern="1200">
+                <a:solidFill>
+                  <a:schemeClr val="tx1">
+                    <a:lumMod val="65000"/>
+                    <a:lumOff val="35000"/>
+                  </a:schemeClr>
+                </a:solidFill>
+                <a:latin typeface="+mn-lt"/>
+                <a:ea typeface="+mn-ea"/>
+                <a:cs typeface="+mn-cs"/>
+              </a:defRPr>
+            </a:lvl5pPr>
+            <a:lvl6pPr marL="2514600" indent="-228600" algn="l" defTabSz="914400" rtl="0" eaLnBrk="1" latinLnBrk="0" hangingPunct="1">
+              <a:lnSpc>
+                <a:spcPct val="110000"/>
+              </a:lnSpc>
+              <a:spcBef>
+                <a:spcPts val="700"/>
+              </a:spcBef>
+              <a:buClr>
+                <a:schemeClr val="tx2"/>
+              </a:buClr>
+              <a:buFont typeface="Gill Sans MT" panose="020B0502020104020203" pitchFamily="34" charset="0"/>
+              <a:buChar char="–"/>
+              <a:defRPr sz="1400" kern="1200">
+                <a:solidFill>
+                  <a:schemeClr val="tx1">
+                    <a:lumMod val="65000"/>
+                    <a:lumOff val="35000"/>
+                  </a:schemeClr>
+                </a:solidFill>
+                <a:latin typeface="+mn-lt"/>
+                <a:ea typeface="+mn-ea"/>
+                <a:cs typeface="+mn-cs"/>
+              </a:defRPr>
+            </a:lvl6pPr>
+            <a:lvl7pPr marL="2971800" indent="-228600" algn="l" defTabSz="914400" rtl="0" eaLnBrk="1" latinLnBrk="0" hangingPunct="1">
+              <a:lnSpc>
+                <a:spcPct val="110000"/>
+              </a:lnSpc>
+              <a:spcBef>
+                <a:spcPts val="700"/>
+              </a:spcBef>
+              <a:buClr>
+                <a:schemeClr val="tx2"/>
+              </a:buClr>
+              <a:buFont typeface="Arial" panose="020B0604020202020204" pitchFamily="34" charset="0"/>
+              <a:buChar char="•"/>
+              <a:defRPr sz="1400" kern="1200">
+                <a:solidFill>
+                  <a:schemeClr val="tx1">
+                    <a:lumMod val="65000"/>
+                    <a:lumOff val="35000"/>
+                  </a:schemeClr>
+                </a:solidFill>
+                <a:latin typeface="+mn-lt"/>
+                <a:ea typeface="+mn-ea"/>
+                <a:cs typeface="+mn-cs"/>
+              </a:defRPr>
+            </a:lvl7pPr>
+            <a:lvl8pPr marL="3429000" indent="-228600" algn="l" defTabSz="914400" rtl="0" eaLnBrk="1" latinLnBrk="0" hangingPunct="1">
+              <a:lnSpc>
+                <a:spcPct val="110000"/>
+              </a:lnSpc>
+              <a:spcBef>
+                <a:spcPts val="700"/>
+              </a:spcBef>
+              <a:buClr>
+                <a:schemeClr val="tx2"/>
+              </a:buClr>
+              <a:buFont typeface="Gill Sans MT" panose="020B0502020104020203" pitchFamily="34" charset="0"/>
+              <a:buChar char="–"/>
+              <a:defRPr sz="1400" kern="1200" baseline="0">
+                <a:solidFill>
+                  <a:schemeClr val="tx1">
+                    <a:lumMod val="65000"/>
+                    <a:lumOff val="35000"/>
+                  </a:schemeClr>
+                </a:solidFill>
+                <a:latin typeface="+mn-lt"/>
+                <a:ea typeface="+mn-ea"/>
+                <a:cs typeface="+mn-cs"/>
+              </a:defRPr>
+            </a:lvl8pPr>
+            <a:lvl9pPr marL="3886200" indent="-228600" algn="l" defTabSz="914400" rtl="0" eaLnBrk="1" latinLnBrk="0" hangingPunct="1">
+              <a:lnSpc>
+                <a:spcPct val="110000"/>
+              </a:lnSpc>
+              <a:spcBef>
+                <a:spcPts val="700"/>
+              </a:spcBef>
+              <a:buClr>
+                <a:schemeClr val="tx2"/>
+              </a:buClr>
+              <a:buFont typeface="Arial" panose="020B0604020202020204" pitchFamily="34" charset="0"/>
+              <a:buChar char="•"/>
+              <a:defRPr sz="1400" kern="1200" baseline="0">
+                <a:solidFill>
+                  <a:schemeClr val="tx1">
+                    <a:lumMod val="65000"/>
+                    <a:lumOff val="35000"/>
+                  </a:schemeClr>
+                </a:solidFill>
+                <a:latin typeface="+mn-lt"/>
+                <a:ea typeface="+mn-ea"/>
+                <a:cs typeface="+mn-cs"/>
+              </a:defRPr>
+            </a:lvl9pPr>
+          </a:lstStyle>
+          <a:p>
+            <a:r>
+              <a:rPr lang="en-US" sz="2800" dirty="0"/>
+              <a:t>Bike share usage correlations</a:t>
+            </a:r>
+          </a:p>
+          <a:p>
+            <a:pPr lvl="1"/>
+            <a:r>
+              <a:rPr lang="en-US" sz="2600" dirty="0"/>
+              <a:t>Strong between mid to higher income proxies, young people and families, distance from home to work</a:t>
+            </a:r>
+          </a:p>
+          <a:p>
+            <a:pPr lvl="1"/>
+            <a:r>
+              <a:rPr lang="en-US" sz="2600" dirty="0"/>
+              <a:t>Weak / none between lowest and highest incomes proxy measures, Spanish speaking households, and married couples</a:t>
+            </a:r>
+          </a:p>
+          <a:p>
+            <a:endParaRPr lang="en-US" sz="2800" dirty="0"/>
+          </a:p>
+          <a:p>
+            <a:endParaRPr lang="en-US" sz="2800" dirty="0"/>
+          </a:p>
+          <a:p>
+            <a:pPr lvl="1"/>
+            <a:endParaRPr lang="en-US" sz="2400" dirty="0"/>
+          </a:p>
+        </p:txBody>
+      </p:sp>
+    </p:spTree>
+    <p:extLst>
+      <p:ext uri="{BB962C8B-B14F-4D97-AF65-F5344CB8AC3E}">
+        <p14:creationId xmlns:p14="http://schemas.microsoft.com/office/powerpoint/2010/main" val="1083275435"/>
+      </p:ext>
+    </p:extLst>
+  </p:cSld>
+  <p:clrMapOvr>
+    <a:masterClrMapping/>
+  </p:clrMapOvr>
+</p:sld>
+</file>
+
+<file path=ppt/slides/slide7.xml><?xml version="1.0" encoding="utf-8"?>
+<p:sld xmlns:a="http://schemas.openxmlformats.org/drawingml/2006/main" xmlns:r="http://schemas.openxmlformats.org/officeDocument/2006/relationships" xmlns:p="http://schemas.openxmlformats.org/presentationml/2006/main">
+  <p:cSld>
+    <p:spTree>
+      <p:nvGrpSpPr>
+        <p:cNvPr id="1" name=""/>
+        <p:cNvGrpSpPr/>
+        <p:nvPr/>
+      </p:nvGrpSpPr>
+      <p:grpSpPr>
+        <a:xfrm>
+          <a:off x="0" y="0"/>
+          <a:ext cx="0" cy="0"/>
+          <a:chOff x="0" y="0"/>
+          <a:chExt cx="0" cy="0"/>
+        </a:xfrm>
+      </p:grpSpPr>
+      <p:sp>
+        <p:nvSpPr>
+          <p:cNvPr id="2" name="Title 1">
+            <a:extLst>
+              <a:ext uri="{FF2B5EF4-FFF2-40B4-BE49-F238E27FC236}">
+                <a16:creationId xmlns:a16="http://schemas.microsoft.com/office/drawing/2014/main" id="{97FC134B-C125-9A46-BD85-A40CB3AE74A8}"/>
+              </a:ext>
+            </a:extLst>
+          </p:cNvPr>
+          <p:cNvSpPr>
+            <a:spLocks noGrp="1"/>
+          </p:cNvSpPr>
+          <p:nvPr>
+            <p:ph type="title"/>
+          </p:nvPr>
+        </p:nvSpPr>
+        <p:spPr/>
+        <p:txBody>
+          <a:bodyPr/>
+          <a:lstStyle/>
+          <a:p>
+            <a:r>
+              <a:rPr lang="en-US" dirty="0"/>
+              <a:t>Machine Learning</a:t>
+            </a:r>
+          </a:p>
+        </p:txBody>
+      </p:sp>
+      <p:sp>
+        <p:nvSpPr>
+          <p:cNvPr id="3" name="Content Placeholder 2">
+            <a:extLst>
+              <a:ext uri="{FF2B5EF4-FFF2-40B4-BE49-F238E27FC236}">
+                <a16:creationId xmlns:a16="http://schemas.microsoft.com/office/drawing/2014/main" id="{3720BD60-71B4-BA4E-8632-45828CA35FDD}"/>
+              </a:ext>
+            </a:extLst>
+          </p:cNvPr>
+          <p:cNvSpPr>
+            <a:spLocks noGrp="1"/>
+          </p:cNvSpPr>
+          <p:nvPr>
+            <p:ph idx="1"/>
+          </p:nvPr>
+        </p:nvSpPr>
+        <p:spPr/>
+        <p:txBody>
+          <a:bodyPr/>
+          <a:lstStyle/>
+          <a:p>
+            <a:endParaRPr lang="en-US"/>
+          </a:p>
+        </p:txBody>
+      </p:sp>
+    </p:spTree>
+    <p:extLst>
+      <p:ext uri="{BB962C8B-B14F-4D97-AF65-F5344CB8AC3E}">
+        <p14:creationId xmlns:p14="http://schemas.microsoft.com/office/powerpoint/2010/main" val="39589363"/>
+      </p:ext>
+    </p:extLst>
+  </p:cSld>
+  <p:clrMapOvr>
+    <a:masterClrMapping/>
+  </p:clrMapOvr>
+</p:sld>
+</file>
+
+<file path=ppt/slides/slide8.xml><?xml version="1.0" encoding="utf-8"?>
+<p:sld xmlns:a="http://schemas.openxmlformats.org/drawingml/2006/main" xmlns:r="http://schemas.openxmlformats.org/officeDocument/2006/relationships" xmlns:p="http://schemas.openxmlformats.org/presentationml/2006/main">
+  <p:cSld>
+    <p:spTree>
+      <p:nvGrpSpPr>
+        <p:cNvPr id="1" name=""/>
+        <p:cNvGrpSpPr/>
+        <p:nvPr/>
+      </p:nvGrpSpPr>
+      <p:grpSpPr>
+        <a:xfrm>
+          <a:off x="0" y="0"/>
+          <a:ext cx="0" cy="0"/>
+          <a:chOff x="0" y="0"/>
+          <a:chExt cx="0" cy="0"/>
+        </a:xfrm>
+      </p:grpSpPr>
+      <p:sp>
+        <p:nvSpPr>
+          <p:cNvPr id="2" name="Title 1">
+            <a:extLst>
+              <a:ext uri="{FF2B5EF4-FFF2-40B4-BE49-F238E27FC236}">
+                <a16:creationId xmlns:a16="http://schemas.microsoft.com/office/drawing/2014/main" id="{D32756E8-3196-D94E-89AD-64DABF5659A3}"/>
+              </a:ext>
+            </a:extLst>
+          </p:cNvPr>
+          <p:cNvSpPr>
+            <a:spLocks noGrp="1"/>
+          </p:cNvSpPr>
+          <p:nvPr>
+            <p:ph type="title"/>
+          </p:nvPr>
+        </p:nvSpPr>
+        <p:spPr/>
+        <p:txBody>
+          <a:bodyPr/>
+          <a:lstStyle/>
+          <a:p>
+            <a:r>
+              <a:rPr lang="en-US" dirty="0"/>
+              <a:t>Conclusions</a:t>
+            </a:r>
+          </a:p>
+        </p:txBody>
+      </p:sp>
+      <p:sp>
+        <p:nvSpPr>
+          <p:cNvPr id="4" name="Content Placeholder 2">
+            <a:extLst>
+              <a:ext uri="{FF2B5EF4-FFF2-40B4-BE49-F238E27FC236}">
+                <a16:creationId xmlns:a16="http://schemas.microsoft.com/office/drawing/2014/main" id="{5286E6AE-33C5-8A4B-B5D8-48A6103009FF}"/>
+              </a:ext>
+            </a:extLst>
+          </p:cNvPr>
+          <p:cNvSpPr txBox="1">
+            <a:spLocks/>
+          </p:cNvSpPr>
+          <p:nvPr/>
+        </p:nvSpPr>
+        <p:spPr>
+          <a:xfrm>
+            <a:off x="1251678" y="2286001"/>
+            <a:ext cx="10178322" cy="3593591"/>
           </a:xfrm>
           <a:prstGeom prst="rect">
             <a:avLst/>
@@ -9858,32 +10020,42 @@
             </a:lvl9pPr>
           </a:lstStyle>
           <a:p>
-            <a:pPr marL="0" indent="0">
-              <a:buFont typeface="Arial" panose="020B0604020202020204" pitchFamily="34" charset="0"/>
-              <a:buNone/>
-            </a:pPr>
-            <a:r>
-              <a:rPr lang="en-US" sz="2800" dirty="0"/>
-              <a:t>Bike share trends</a:t>
-            </a:r>
-          </a:p>
-          <a:p>
-            <a:pPr marL="0" indent="0">
-              <a:buFont typeface="Arial" panose="020B0604020202020204" pitchFamily="34" charset="0"/>
-              <a:buNone/>
-            </a:pPr>
-            <a:endParaRPr lang="en-US" sz="2800" dirty="0"/>
+            <a:r>
+              <a:rPr lang="en-US" dirty="0"/>
+              <a:t>Bike share should extend outreach to lower income and Latin American communities (and fishermen)</a:t>
+            </a:r>
           </a:p>
           <a:p>
             <a:pPr lvl="1"/>
-            <a:endParaRPr lang="en-US" sz="2400" dirty="0"/>
+            <a:r>
+              <a:rPr lang="en-US" dirty="0"/>
+              <a:t>Add more docking stations and educate potential new users</a:t>
+            </a:r>
+          </a:p>
+          <a:p>
+            <a:pPr lvl="1"/>
+            <a:r>
+              <a:rPr lang="en-US" dirty="0"/>
+              <a:t>Spanish language terminals and website</a:t>
+            </a:r>
+          </a:p>
+          <a:p>
+            <a:endParaRPr lang="en-US" dirty="0"/>
+          </a:p>
+          <a:p>
+            <a:pPr lvl="1"/>
+            <a:endParaRPr lang="en-US" dirty="0"/>
+          </a:p>
+          <a:p>
+            <a:pPr lvl="1"/>
+            <a:endParaRPr lang="en-US" dirty="0"/>
           </a:p>
         </p:txBody>
       </p:sp>
     </p:spTree>
     <p:extLst>
       <p:ext uri="{BB962C8B-B14F-4D97-AF65-F5344CB8AC3E}">
-        <p14:creationId xmlns:p14="http://schemas.microsoft.com/office/powerpoint/2010/main" val="1083275435"/>
+        <p14:creationId xmlns:p14="http://schemas.microsoft.com/office/powerpoint/2010/main" val="743564182"/>
       </p:ext>
     </p:extLst>
   </p:cSld>
@@ -9893,9 +10065,17 @@
 </p:sld>
 </file>
 
-<file path=ppt/slides/slide7.xml><?xml version="1.0" encoding="utf-8"?>
+<file path=ppt/slides/slide9.xml><?xml version="1.0" encoding="utf-8"?>
 <p:sld xmlns:a="http://schemas.openxmlformats.org/drawingml/2006/main" xmlns:r="http://schemas.openxmlformats.org/officeDocument/2006/relationships" xmlns:p="http://schemas.openxmlformats.org/presentationml/2006/main">
   <p:cSld>
+    <p:bg>
+      <p:bgPr>
+        <a:solidFill>
+          <a:schemeClr val="bg1"/>
+        </a:solidFill>
+        <a:effectLst/>
+      </p:bgPr>
+    </p:bg>
     <p:spTree>
       <p:nvGrpSpPr>
         <p:cNvPr id="1" name=""/>
@@ -9915,7 +10095,7 @@
           <p:cNvPr id="2" name="Title 1">
             <a:extLst>
               <a:ext uri="{FF2B5EF4-FFF2-40B4-BE49-F238E27FC236}">
-                <a16:creationId xmlns:a16="http://schemas.microsoft.com/office/drawing/2014/main" id="{97FC134B-C125-9A46-BD85-A40CB3AE74A8}"/>
+                <a16:creationId xmlns:a16="http://schemas.microsoft.com/office/drawing/2014/main" id="{16C4CB43-4E2F-E44B-9651-8C8F8F74EEF1}"/>
               </a:ext>
             </a:extLst>
           </p:cNvPr>
@@ -9926,230 +10106,68 @@
             <p:ph type="title"/>
           </p:nvPr>
         </p:nvSpPr>
-        <p:spPr/>
-        <p:txBody>
-          <a:bodyPr/>
-          <a:lstStyle/>
-          <a:p>
-            <a:r>
-              <a:rPr lang="en-US" dirty="0"/>
-              <a:t>Machine Learning</a:t>
-            </a:r>
-          </a:p>
-        </p:txBody>
-      </p:sp>
-      <p:sp>
-        <p:nvSpPr>
-          <p:cNvPr id="3" name="Content Placeholder 2">
-            <a:extLst>
-              <a:ext uri="{FF2B5EF4-FFF2-40B4-BE49-F238E27FC236}">
-                <a16:creationId xmlns:a16="http://schemas.microsoft.com/office/drawing/2014/main" id="{3720BD60-71B4-BA4E-8632-45828CA35FDD}"/>
-              </a:ext>
-            </a:extLst>
-          </p:cNvPr>
-          <p:cNvSpPr>
-            <a:spLocks noGrp="1"/>
-          </p:cNvSpPr>
-          <p:nvPr>
-            <p:ph idx="1"/>
-          </p:nvPr>
-        </p:nvSpPr>
-        <p:spPr/>
-        <p:txBody>
-          <a:bodyPr/>
-          <a:lstStyle/>
-          <a:p>
-            <a:endParaRPr lang="en-US"/>
-          </a:p>
-        </p:txBody>
-      </p:sp>
-    </p:spTree>
-    <p:extLst>
-      <p:ext uri="{BB962C8B-B14F-4D97-AF65-F5344CB8AC3E}">
-        <p14:creationId xmlns:p14="http://schemas.microsoft.com/office/powerpoint/2010/main" val="39589363"/>
-      </p:ext>
-    </p:extLst>
-  </p:cSld>
-  <p:clrMapOvr>
-    <a:masterClrMapping/>
-  </p:clrMapOvr>
-</p:sld>
-</file>
-
-<file path=ppt/slides/slide8.xml><?xml version="1.0" encoding="utf-8"?>
-<p:sld xmlns:a="http://schemas.openxmlformats.org/drawingml/2006/main" xmlns:r="http://schemas.openxmlformats.org/officeDocument/2006/relationships" xmlns:p="http://schemas.openxmlformats.org/presentationml/2006/main">
-  <p:cSld>
-    <p:spTree>
-      <p:nvGrpSpPr>
-        <p:cNvPr id="1" name=""/>
-        <p:cNvGrpSpPr/>
-        <p:nvPr/>
-      </p:nvGrpSpPr>
-      <p:grpSpPr>
-        <a:xfrm>
-          <a:off x="0" y="0"/>
-          <a:ext cx="0" cy="0"/>
-          <a:chOff x="0" y="0"/>
-          <a:chExt cx="0" cy="0"/>
-        </a:xfrm>
-      </p:grpSpPr>
-      <p:sp>
-        <p:nvSpPr>
-          <p:cNvPr id="2" name="Title 1">
-            <a:extLst>
-              <a:ext uri="{FF2B5EF4-FFF2-40B4-BE49-F238E27FC236}">
-                <a16:creationId xmlns:a16="http://schemas.microsoft.com/office/drawing/2014/main" id="{D32756E8-3196-D94E-89AD-64DABF5659A3}"/>
-              </a:ext>
-            </a:extLst>
-          </p:cNvPr>
-          <p:cNvSpPr>
-            <a:spLocks noGrp="1"/>
-          </p:cNvSpPr>
-          <p:nvPr>
-            <p:ph type="title"/>
-          </p:nvPr>
-        </p:nvSpPr>
-        <p:spPr/>
-        <p:txBody>
-          <a:bodyPr/>
-          <a:lstStyle/>
-          <a:p>
-            <a:r>
-              <a:rPr lang="en-US" dirty="0"/>
-              <a:t>Conclusions</a:t>
-            </a:r>
-          </a:p>
-        </p:txBody>
-      </p:sp>
-      <p:sp>
-        <p:nvSpPr>
-          <p:cNvPr id="3" name="Content Placeholder 2">
-            <a:extLst>
-              <a:ext uri="{FF2B5EF4-FFF2-40B4-BE49-F238E27FC236}">
-                <a16:creationId xmlns:a16="http://schemas.microsoft.com/office/drawing/2014/main" id="{5EDE3E0D-94AC-6B41-B374-3C5D809D98AE}"/>
-              </a:ext>
-            </a:extLst>
-          </p:cNvPr>
-          <p:cNvSpPr>
-            <a:spLocks noGrp="1"/>
-          </p:cNvSpPr>
-          <p:nvPr>
-            <p:ph idx="1"/>
-          </p:nvPr>
-        </p:nvSpPr>
         <p:spPr>
           <a:xfrm>
-            <a:off x="1251678" y="1435261"/>
-            <a:ext cx="10178322" cy="4444331"/>
+            <a:off x="2304623" y="2816370"/>
+            <a:ext cx="2738432" cy="1225259"/>
           </a:xfrm>
         </p:spPr>
         <p:txBody>
           <a:bodyPr>
-            <a:normAutofit/>
+            <a:normAutofit fontScale="90000"/>
           </a:bodyPr>
           <a:lstStyle/>
           <a:p>
-            <a:endParaRPr lang="en-US" sz="3200" dirty="0"/>
-          </a:p>
-          <a:p>
-            <a:endParaRPr lang="en-US" sz="3200" dirty="0"/>
+            <a:r>
+              <a:rPr lang="en-US" sz="8800" dirty="0"/>
+              <a:t>Q &amp; A</a:t>
+            </a:r>
           </a:p>
         </p:txBody>
       </p:sp>
+      <p:pic>
+        <p:nvPicPr>
+          <p:cNvPr id="7" name="Graphic 6" descr="Help">
+            <a:extLst>
+              <a:ext uri="{FF2B5EF4-FFF2-40B4-BE49-F238E27FC236}">
+                <a16:creationId xmlns:a16="http://schemas.microsoft.com/office/drawing/2014/main" id="{49FFC360-1A5D-472C-8FAF-17E5707588C7}"/>
+              </a:ext>
+            </a:extLst>
+          </p:cNvPr>
+          <p:cNvPicPr>
+            <a:picLocks noChangeAspect="1"/>
+          </p:cNvPicPr>
+          <p:nvPr/>
+        </p:nvPicPr>
+        <p:blipFill>
+          <a:blip r:embed="rId2">
+            <a:extLst>
+              <a:ext uri="{28A0092B-C50C-407E-A947-70E740481C1C}">
+                <a14:useLocalDpi xmlns:a14="http://schemas.microsoft.com/office/drawing/2010/main" val="0"/>
+              </a:ext>
+              <a:ext uri="{96DAC541-7B7A-43D3-8B79-37D633B846F1}">
+                <asvg:svgBlip xmlns:asvg="http://schemas.microsoft.com/office/drawing/2016/SVG/main" r:embed="rId3"/>
+              </a:ext>
+            </a:extLst>
+          </a:blip>
+          <a:stretch>
+            <a:fillRect/>
+          </a:stretch>
+        </p:blipFill>
+        <p:spPr>
+          <a:xfrm>
+            <a:off x="6098193" y="853757"/>
+            <a:ext cx="5176744" cy="5176744"/>
+          </a:xfrm>
+          <a:prstGeom prst="rect">
+            <a:avLst/>
+          </a:prstGeom>
+        </p:spPr>
+      </p:pic>
     </p:spTree>
     <p:extLst>
       <p:ext uri="{BB962C8B-B14F-4D97-AF65-F5344CB8AC3E}">
-        <p14:creationId xmlns:p14="http://schemas.microsoft.com/office/powerpoint/2010/main" val="743564182"/>
-      </p:ext>
-    </p:extLst>
-  </p:cSld>
-  <p:clrMapOvr>
-    <a:masterClrMapping/>
-  </p:clrMapOvr>
-</p:sld>
-</file>
-
-<file path=ppt/slides/slide9.xml><?xml version="1.0" encoding="utf-8"?>
-<p:sld xmlns:a="http://schemas.openxmlformats.org/drawingml/2006/main" xmlns:r="http://schemas.openxmlformats.org/officeDocument/2006/relationships" xmlns:p="http://schemas.openxmlformats.org/presentationml/2006/main">
-  <p:cSld>
-    <p:spTree>
-      <p:nvGrpSpPr>
-        <p:cNvPr id="1" name=""/>
-        <p:cNvGrpSpPr/>
-        <p:nvPr/>
-      </p:nvGrpSpPr>
-      <p:grpSpPr>
-        <a:xfrm>
-          <a:off x="0" y="0"/>
-          <a:ext cx="0" cy="0"/>
-          <a:chOff x="0" y="0"/>
-          <a:chExt cx="0" cy="0"/>
-        </a:xfrm>
-      </p:grpSpPr>
-      <p:sp>
-        <p:nvSpPr>
-          <p:cNvPr id="2" name="Title 1">
-            <a:extLst>
-              <a:ext uri="{FF2B5EF4-FFF2-40B4-BE49-F238E27FC236}">
-                <a16:creationId xmlns:a16="http://schemas.microsoft.com/office/drawing/2014/main" id="{9102BD62-1494-CD42-B478-9C68F67016B8}"/>
-              </a:ext>
-            </a:extLst>
-          </p:cNvPr>
-          <p:cNvSpPr>
-            <a:spLocks noGrp="1"/>
-          </p:cNvSpPr>
-          <p:nvPr>
-            <p:ph type="title"/>
-          </p:nvPr>
-        </p:nvSpPr>
-        <p:spPr/>
-        <p:txBody>
-          <a:bodyPr/>
-          <a:lstStyle/>
-          <a:p>
-            <a:r>
-              <a:rPr lang="en-US" dirty="0"/>
-              <a:t>Conclusions</a:t>
-            </a:r>
-          </a:p>
-        </p:txBody>
-      </p:sp>
-      <p:sp>
-        <p:nvSpPr>
-          <p:cNvPr id="3" name="Content Placeholder 2">
-            <a:extLst>
-              <a:ext uri="{FF2B5EF4-FFF2-40B4-BE49-F238E27FC236}">
-                <a16:creationId xmlns:a16="http://schemas.microsoft.com/office/drawing/2014/main" id="{E2F24DA7-0073-C941-A0A6-E5058B46CD9C}"/>
-              </a:ext>
-            </a:extLst>
-          </p:cNvPr>
-          <p:cNvSpPr>
-            <a:spLocks noGrp="1"/>
-          </p:cNvSpPr>
-          <p:nvPr>
-            <p:ph idx="1"/>
-          </p:nvPr>
-        </p:nvSpPr>
-        <p:spPr>
-          <a:xfrm>
-            <a:off x="1251678" y="1319515"/>
-            <a:ext cx="10178322" cy="4560078"/>
-          </a:xfrm>
-        </p:spPr>
-        <p:txBody>
-          <a:bodyPr>
-            <a:normAutofit/>
-          </a:bodyPr>
-          <a:lstStyle/>
-          <a:p>
-            <a:endParaRPr lang="en-US" sz="2400" dirty="0"/>
-          </a:p>
-        </p:txBody>
-      </p:sp>
-    </p:spTree>
-    <p:extLst>
-      <p:ext uri="{BB962C8B-B14F-4D97-AF65-F5344CB8AC3E}">
-        <p14:creationId xmlns:p14="http://schemas.microsoft.com/office/powerpoint/2010/main" val="2388532126"/>
+        <p14:creationId xmlns:p14="http://schemas.microsoft.com/office/powerpoint/2010/main" val="2332968331"/>
       </p:ext>
     </p:extLst>
   </p:cSld>

--- a/Crabby Cabis Final Project.pptx
+++ b/Crabby Cabis Final Project.pptx
@@ -5,18 +5,19 @@
     <p:sldMasterId id="2147483648" r:id="rId1"/>
   </p:sldMasterIdLst>
   <p:notesMasterIdLst>
-    <p:notesMasterId r:id="rId11"/>
+    <p:notesMasterId r:id="rId12"/>
   </p:notesMasterIdLst>
   <p:sldIdLst>
     <p:sldId id="256" r:id="rId2"/>
     <p:sldId id="270" r:id="rId3"/>
     <p:sldId id="257" r:id="rId4"/>
     <p:sldId id="271" r:id="rId5"/>
-    <p:sldId id="274" r:id="rId6"/>
-    <p:sldId id="272" r:id="rId7"/>
-    <p:sldId id="273" r:id="rId8"/>
-    <p:sldId id="265" r:id="rId9"/>
-    <p:sldId id="266" r:id="rId10"/>
+    <p:sldId id="275" r:id="rId6"/>
+    <p:sldId id="274" r:id="rId7"/>
+    <p:sldId id="272" r:id="rId8"/>
+    <p:sldId id="273" r:id="rId9"/>
+    <p:sldId id="265" r:id="rId10"/>
+    <p:sldId id="266" r:id="rId11"/>
   </p:sldIdLst>
   <p:sldSz cx="12192000" cy="6858000"/>
   <p:notesSz cx="6858000" cy="9144000"/>
@@ -208,7 +209,7 @@
           <a:p>
             <a:fld id="{EF7B768B-C502-2F4A-94E6-B21DD1016E70}" type="datetimeFigureOut">
               <a:rPr lang="en-US" smtClean="0"/>
-              <a:t>5/14/19</a:t>
+              <a:t>5/16/2019</a:t>
             </a:fld>
             <a:endParaRPr lang="en-US"/>
           </a:p>
@@ -1985,7 +1986,7 @@
             <a:fld id="{9334D819-9F07-4261-B09B-9E467E5D9002}" type="datetimeFigureOut">
               <a:rPr lang="en-US" dirty="0"/>
               <a:pPr/>
-              <a:t>5/14/19</a:t>
+              <a:t>5/16/2019</a:t>
             </a:fld>
             <a:endParaRPr lang="en-US" dirty="0"/>
           </a:p>
@@ -2219,7 +2220,7 @@
           <a:p>
             <a:fld id="{9334D819-9F07-4261-B09B-9E467E5D9002}" type="datetimeFigureOut">
               <a:rPr lang="en-US" dirty="0"/>
-              <a:t>5/14/19</a:t>
+              <a:t>5/16/2019</a:t>
             </a:fld>
             <a:endParaRPr lang="en-US" dirty="0"/>
           </a:p>
@@ -2394,7 +2395,7 @@
           <a:p>
             <a:fld id="{9334D819-9F07-4261-B09B-9E467E5D9002}" type="datetimeFigureOut">
               <a:rPr lang="en-US" dirty="0"/>
-              <a:t>5/14/19</a:t>
+              <a:t>5/16/2019</a:t>
             </a:fld>
             <a:endParaRPr lang="en-US" dirty="0"/>
           </a:p>
@@ -2559,7 +2560,7 @@
           <a:p>
             <a:fld id="{9334D819-9F07-4261-B09B-9E467E5D9002}" type="datetimeFigureOut">
               <a:rPr lang="en-US" dirty="0"/>
-              <a:t>5/14/19</a:t>
+              <a:t>5/16/2019</a:t>
             </a:fld>
             <a:endParaRPr lang="en-US" dirty="0"/>
           </a:p>
@@ -2831,7 +2832,7 @@
             <a:fld id="{9334D819-9F07-4261-B09B-9E467E5D9002}" type="datetimeFigureOut">
               <a:rPr lang="en-US" dirty="0"/>
               <a:pPr/>
-              <a:t>5/14/19</a:t>
+              <a:t>5/16/2019</a:t>
             </a:fld>
             <a:endParaRPr lang="en-US" dirty="0"/>
           </a:p>
@@ -4028,7 +4029,7 @@
           <a:p>
             <a:fld id="{9334D819-9F07-4261-B09B-9E467E5D9002}" type="datetimeFigureOut">
               <a:rPr lang="en-US" dirty="0"/>
-              <a:t>5/14/19</a:t>
+              <a:t>5/16/2019</a:t>
             </a:fld>
             <a:endParaRPr lang="en-US" dirty="0"/>
           </a:p>
@@ -4413,7 +4414,7 @@
           <a:p>
             <a:fld id="{9334D819-9F07-4261-B09B-9E467E5D9002}" type="datetimeFigureOut">
               <a:rPr lang="en-US" dirty="0"/>
-              <a:t>5/14/19</a:t>
+              <a:t>5/16/2019</a:t>
             </a:fld>
             <a:endParaRPr lang="en-US" dirty="0"/>
           </a:p>
@@ -4531,7 +4532,7 @@
           <a:p>
             <a:fld id="{9334D819-9F07-4261-B09B-9E467E5D9002}" type="datetimeFigureOut">
               <a:rPr lang="en-US" dirty="0"/>
-              <a:t>5/14/19</a:t>
+              <a:t>5/16/2019</a:t>
             </a:fld>
             <a:endParaRPr lang="en-US" dirty="0"/>
           </a:p>
@@ -4621,7 +4622,7 @@
           <a:p>
             <a:fld id="{9334D819-9F07-4261-B09B-9E467E5D9002}" type="datetimeFigureOut">
               <a:rPr lang="en-US" dirty="0"/>
-              <a:t>5/14/19</a:t>
+              <a:t>5/16/2019</a:t>
             </a:fld>
             <a:endParaRPr lang="en-US" dirty="0"/>
           </a:p>
@@ -5379,7 +5380,7 @@
           <a:p>
             <a:fld id="{9334D819-9F07-4261-B09B-9E467E5D9002}" type="datetimeFigureOut">
               <a:rPr lang="en-US" dirty="0"/>
-              <a:t>5/14/19</a:t>
+              <a:t>5/16/2019</a:t>
             </a:fld>
             <a:endParaRPr lang="en-US" dirty="0"/>
           </a:p>
@@ -6214,7 +6215,7 @@
           <a:p>
             <a:fld id="{9334D819-9F07-4261-B09B-9E467E5D9002}" type="datetimeFigureOut">
               <a:rPr lang="en-US" dirty="0"/>
-              <a:t>5/14/19</a:t>
+              <a:t>5/16/2019</a:t>
             </a:fld>
             <a:endParaRPr lang="en-US" dirty="0"/>
           </a:p>
@@ -6437,7 +6438,7 @@
             <a:fld id="{9334D819-9F07-4261-B09B-9E467E5D9002}" type="datetimeFigureOut">
               <a:rPr lang="en-US" dirty="0"/>
               <a:pPr/>
-              <a:t>5/14/19</a:t>
+              <a:t>5/16/2019</a:t>
             </a:fld>
             <a:endParaRPr lang="en-US" dirty="0"/>
           </a:p>
@@ -7546,6 +7547,118 @@
 </p:sld>
 </file>
 
+<file path=ppt/slides/slide10.xml><?xml version="1.0" encoding="utf-8"?>
+<p:sld xmlns:a="http://schemas.openxmlformats.org/drawingml/2006/main" xmlns:r="http://schemas.openxmlformats.org/officeDocument/2006/relationships" xmlns:p="http://schemas.openxmlformats.org/presentationml/2006/main">
+  <p:cSld>
+    <p:bg>
+      <p:bgPr>
+        <a:solidFill>
+          <a:schemeClr val="bg1"/>
+        </a:solidFill>
+        <a:effectLst/>
+      </p:bgPr>
+    </p:bg>
+    <p:spTree>
+      <p:nvGrpSpPr>
+        <p:cNvPr id="1" name=""/>
+        <p:cNvGrpSpPr/>
+        <p:nvPr/>
+      </p:nvGrpSpPr>
+      <p:grpSpPr>
+        <a:xfrm>
+          <a:off x="0" y="0"/>
+          <a:ext cx="0" cy="0"/>
+          <a:chOff x="0" y="0"/>
+          <a:chExt cx="0" cy="0"/>
+        </a:xfrm>
+      </p:grpSpPr>
+      <p:sp>
+        <p:nvSpPr>
+          <p:cNvPr id="2" name="Title 1">
+            <a:extLst>
+              <a:ext uri="{FF2B5EF4-FFF2-40B4-BE49-F238E27FC236}">
+                <a16:creationId xmlns:a16="http://schemas.microsoft.com/office/drawing/2014/main" id="{16C4CB43-4E2F-E44B-9651-8C8F8F74EEF1}"/>
+              </a:ext>
+            </a:extLst>
+          </p:cNvPr>
+          <p:cNvSpPr>
+            <a:spLocks noGrp="1"/>
+          </p:cNvSpPr>
+          <p:nvPr>
+            <p:ph type="title"/>
+          </p:nvPr>
+        </p:nvSpPr>
+        <p:spPr>
+          <a:xfrm>
+            <a:off x="2304623" y="2816370"/>
+            <a:ext cx="2738432" cy="1225259"/>
+          </a:xfrm>
+        </p:spPr>
+        <p:txBody>
+          <a:bodyPr>
+            <a:normAutofit fontScale="90000"/>
+          </a:bodyPr>
+          <a:lstStyle/>
+          <a:p>
+            <a:r>
+              <a:rPr lang="en-US" sz="8800" dirty="0"/>
+              <a:t>Q &amp; A</a:t>
+            </a:r>
+          </a:p>
+        </p:txBody>
+      </p:sp>
+      <p:pic>
+        <p:nvPicPr>
+          <p:cNvPr id="7" name="Graphic 6" descr="Help">
+            <a:extLst>
+              <a:ext uri="{FF2B5EF4-FFF2-40B4-BE49-F238E27FC236}">
+                <a16:creationId xmlns:a16="http://schemas.microsoft.com/office/drawing/2014/main" id="{49FFC360-1A5D-472C-8FAF-17E5707588C7}"/>
+              </a:ext>
+            </a:extLst>
+          </p:cNvPr>
+          <p:cNvPicPr>
+            <a:picLocks noChangeAspect="1"/>
+          </p:cNvPicPr>
+          <p:nvPr/>
+        </p:nvPicPr>
+        <p:blipFill>
+          <a:blip r:embed="rId2">
+            <a:extLst>
+              <a:ext uri="{28A0092B-C50C-407E-A947-70E740481C1C}">
+                <a14:useLocalDpi xmlns:a14="http://schemas.microsoft.com/office/drawing/2010/main" val="0"/>
+              </a:ext>
+              <a:ext uri="{96DAC541-7B7A-43D3-8B79-37D633B846F1}">
+                <asvg:svgBlip xmlns:asvg="http://schemas.microsoft.com/office/drawing/2016/SVG/main" r:embed="rId3"/>
+              </a:ext>
+            </a:extLst>
+          </a:blip>
+          <a:stretch>
+            <a:fillRect/>
+          </a:stretch>
+        </p:blipFill>
+        <p:spPr>
+          <a:xfrm>
+            <a:off x="6098193" y="853757"/>
+            <a:ext cx="5176744" cy="5176744"/>
+          </a:xfrm>
+          <a:prstGeom prst="rect">
+            <a:avLst/>
+          </a:prstGeom>
+        </p:spPr>
+      </p:pic>
+    </p:spTree>
+    <p:extLst>
+      <p:ext uri="{BB962C8B-B14F-4D97-AF65-F5344CB8AC3E}">
+        <p14:creationId xmlns:p14="http://schemas.microsoft.com/office/powerpoint/2010/main" val="2332968331"/>
+      </p:ext>
+    </p:extLst>
+  </p:cSld>
+  <p:clrMapOvr>
+    <a:masterClrMapping/>
+  </p:clrMapOvr>
+</p:sld>
+</file>
+
 <file path=ppt/slides/slide2.xml><?xml version="1.0" encoding="utf-8"?>
 <p:sld xmlns:a="http://schemas.openxmlformats.org/drawingml/2006/main" xmlns:r="http://schemas.openxmlformats.org/officeDocument/2006/relationships" xmlns:p="http://schemas.openxmlformats.org/presentationml/2006/main">
   <p:cSld>
@@ -7882,8 +7995,8 @@
         </p:nvSpPr>
         <p:spPr>
           <a:xfrm>
-            <a:off x="1251678" y="1874517"/>
-            <a:ext cx="4844322" cy="4601098"/>
+            <a:off x="1251678" y="1237532"/>
+            <a:ext cx="4844322" cy="5391868"/>
           </a:xfrm>
         </p:spPr>
         <p:txBody>
@@ -7906,9 +8019,24 @@
             <a:endParaRPr lang="en-US" dirty="0"/>
           </a:p>
           <a:p>
+            <a:pPr lvl="1"/>
+            <a:r>
+              <a:rPr lang="en-US" dirty="0" err="1"/>
+              <a:t>RandomForest</a:t>
+            </a:r>
+            <a:endParaRPr lang="en-US" dirty="0"/>
+          </a:p>
+          <a:p>
             <a:r>
               <a:rPr lang="en-US" dirty="0"/>
               <a:t>AWS/Flask/Heroku</a:t>
+            </a:r>
+          </a:p>
+          <a:p>
+            <a:pPr lvl="1"/>
+            <a:r>
+              <a:rPr lang="en-US" dirty="0"/>
+              <a:t>Template Inheritance</a:t>
             </a:r>
           </a:p>
           <a:p>
@@ -7989,8 +8117,8 @@
         </p:nvSpPr>
         <p:spPr>
           <a:xfrm>
-            <a:off x="6096000" y="1874516"/>
-            <a:ext cx="4844322" cy="4754883"/>
+            <a:off x="6095999" y="1216242"/>
+            <a:ext cx="5560381" cy="5413158"/>
           </a:xfrm>
           <a:prstGeom prst="rect">
             <a:avLst/>
@@ -7998,7 +8126,7 @@
         </p:spPr>
         <p:txBody>
           <a:bodyPr vert="horz" lIns="91440" tIns="45720" rIns="91440" bIns="45720" rtlCol="0">
-            <a:normAutofit fontScale="70000" lnSpcReduction="20000"/>
+            <a:normAutofit fontScale="85000" lnSpcReduction="20000"/>
           </a:bodyPr>
           <a:lstStyle>
             <a:lvl1pPr marL="228600" indent="-228600" algn="l" defTabSz="914400" rtl="0" eaLnBrk="1" latinLnBrk="0" hangingPunct="1">
@@ -8359,6 +8487,2733 @@
           <a:chExt cx="0" cy="0"/>
         </a:xfrm>
       </p:grpSpPr>
+      <p:cxnSp>
+        <p:nvCxnSpPr>
+          <p:cNvPr id="4" name="Straight Arrow Connector 3">
+            <a:extLst>
+              <a:ext uri="{FF2B5EF4-FFF2-40B4-BE49-F238E27FC236}">
+                <a16:creationId xmlns:a16="http://schemas.microsoft.com/office/drawing/2014/main" id="{1069B532-4B37-4E91-9996-2D36140EBDE1}"/>
+              </a:ext>
+            </a:extLst>
+          </p:cNvPr>
+          <p:cNvCxnSpPr>
+            <a:cxnSpLocks/>
+            <a:stCxn id="64" idx="1"/>
+            <a:endCxn id="35" idx="5"/>
+          </p:cNvCxnSpPr>
+          <p:nvPr/>
+        </p:nvCxnSpPr>
+        <p:spPr>
+          <a:xfrm flipH="1" flipV="1">
+            <a:off x="7802426" y="1441732"/>
+            <a:ext cx="2410061" cy="1889795"/>
+          </a:xfrm>
+          <a:prstGeom prst="straightConnector1">
+            <a:avLst/>
+          </a:prstGeom>
+          <a:ln w="57150">
+            <a:tailEnd type="triangle"/>
+          </a:ln>
+          <a:scene3d>
+            <a:camera prst="orthographicFront"/>
+            <a:lightRig rig="threePt" dir="t"/>
+          </a:scene3d>
+          <a:sp3d>
+            <a:bevelT/>
+          </a:sp3d>
+        </p:spPr>
+        <p:style>
+          <a:lnRef idx="3">
+            <a:schemeClr val="accent2"/>
+          </a:lnRef>
+          <a:fillRef idx="0">
+            <a:schemeClr val="accent2"/>
+          </a:fillRef>
+          <a:effectRef idx="2">
+            <a:schemeClr val="accent2"/>
+          </a:effectRef>
+          <a:fontRef idx="minor">
+            <a:schemeClr val="tx1"/>
+          </a:fontRef>
+        </p:style>
+      </p:cxnSp>
+      <p:grpSp>
+        <p:nvGrpSpPr>
+          <p:cNvPr id="5" name="Group 4">
+            <a:extLst>
+              <a:ext uri="{FF2B5EF4-FFF2-40B4-BE49-F238E27FC236}">
+                <a16:creationId xmlns:a16="http://schemas.microsoft.com/office/drawing/2014/main" id="{BA7A7FB5-1821-45CE-80D1-1562F7BD1362}"/>
+              </a:ext>
+            </a:extLst>
+          </p:cNvPr>
+          <p:cNvGrpSpPr/>
+          <p:nvPr/>
+        </p:nvGrpSpPr>
+        <p:grpSpPr>
+          <a:xfrm rot="770926">
+            <a:off x="8262158" y="1745408"/>
+            <a:ext cx="1826203" cy="988590"/>
+            <a:chOff x="7644585" y="1211172"/>
+            <a:chExt cx="1826203" cy="988590"/>
+          </a:xfrm>
+        </p:grpSpPr>
+        <p:pic>
+          <p:nvPicPr>
+            <p:cNvPr id="6" name="Picture 5" descr="A bicycle parked on the side of a road&#10;&#10;Description automatically generated">
+              <a:extLst>
+                <a:ext uri="{FF2B5EF4-FFF2-40B4-BE49-F238E27FC236}">
+                  <a16:creationId xmlns:a16="http://schemas.microsoft.com/office/drawing/2014/main" id="{4C08A0B6-FC00-4184-A984-04CB719FBC0A}"/>
+                </a:ext>
+              </a:extLst>
+            </p:cNvPr>
+            <p:cNvPicPr>
+              <a:picLocks noChangeAspect="1"/>
+            </p:cNvPicPr>
+            <p:nvPr/>
+          </p:nvPicPr>
+          <p:blipFill>
+            <a:blip r:embed="rId2">
+              <a:extLst>
+                <a:ext uri="{28A0092B-C50C-407E-A947-70E740481C1C}">
+                  <a14:useLocalDpi xmlns:a14="http://schemas.microsoft.com/office/drawing/2010/main" val="0"/>
+                </a:ext>
+              </a:extLst>
+            </a:blip>
+            <a:stretch>
+              <a:fillRect/>
+            </a:stretch>
+          </p:blipFill>
+          <p:spPr>
+            <a:xfrm rot="1662980">
+              <a:off x="7644585" y="1211172"/>
+              <a:ext cx="463114" cy="304402"/>
+            </a:xfrm>
+            <a:prstGeom prst="rect">
+              <a:avLst/>
+            </a:prstGeom>
+            <a:scene3d>
+              <a:camera prst="orthographicFront">
+                <a:rot lat="0" lon="10799999" rev="0"/>
+              </a:camera>
+              <a:lightRig rig="threePt" dir="t"/>
+            </a:scene3d>
+          </p:spPr>
+        </p:pic>
+        <p:pic>
+          <p:nvPicPr>
+            <p:cNvPr id="7" name="Picture 6" descr="A bicycle parked on the side of a road&#10;&#10;Description automatically generated">
+              <a:extLst>
+                <a:ext uri="{FF2B5EF4-FFF2-40B4-BE49-F238E27FC236}">
+                  <a16:creationId xmlns:a16="http://schemas.microsoft.com/office/drawing/2014/main" id="{25625608-7555-4670-8B3A-EA282059E146}"/>
+                </a:ext>
+              </a:extLst>
+            </p:cNvPr>
+            <p:cNvPicPr>
+              <a:picLocks noChangeAspect="1"/>
+            </p:cNvPicPr>
+            <p:nvPr/>
+          </p:nvPicPr>
+          <p:blipFill>
+            <a:blip r:embed="rId2">
+              <a:extLst>
+                <a:ext uri="{28A0092B-C50C-407E-A947-70E740481C1C}">
+                  <a14:useLocalDpi xmlns:a14="http://schemas.microsoft.com/office/drawing/2010/main" val="0"/>
+                </a:ext>
+              </a:extLst>
+            </a:blip>
+            <a:stretch>
+              <a:fillRect/>
+            </a:stretch>
+          </p:blipFill>
+          <p:spPr>
+            <a:xfrm rot="1662980">
+              <a:off x="8085810" y="1442142"/>
+              <a:ext cx="463114" cy="304402"/>
+            </a:xfrm>
+            <a:prstGeom prst="rect">
+              <a:avLst/>
+            </a:prstGeom>
+            <a:scene3d>
+              <a:camera prst="orthographicFront">
+                <a:rot lat="0" lon="10799999" rev="0"/>
+              </a:camera>
+              <a:lightRig rig="threePt" dir="t"/>
+            </a:scene3d>
+          </p:spPr>
+        </p:pic>
+        <p:pic>
+          <p:nvPicPr>
+            <p:cNvPr id="8" name="Picture 7" descr="A bicycle parked on the side of a road&#10;&#10;Description automatically generated">
+              <a:extLst>
+                <a:ext uri="{FF2B5EF4-FFF2-40B4-BE49-F238E27FC236}">
+                  <a16:creationId xmlns:a16="http://schemas.microsoft.com/office/drawing/2014/main" id="{E25644F7-E4F1-4F42-9F22-A2D2487D6671}"/>
+                </a:ext>
+              </a:extLst>
+            </p:cNvPr>
+            <p:cNvPicPr>
+              <a:picLocks noChangeAspect="1"/>
+            </p:cNvPicPr>
+            <p:nvPr/>
+          </p:nvPicPr>
+          <p:blipFill>
+            <a:blip r:embed="rId2">
+              <a:extLst>
+                <a:ext uri="{28A0092B-C50C-407E-A947-70E740481C1C}">
+                  <a14:useLocalDpi xmlns:a14="http://schemas.microsoft.com/office/drawing/2010/main" val="0"/>
+                </a:ext>
+              </a:extLst>
+            </a:blip>
+            <a:stretch>
+              <a:fillRect/>
+            </a:stretch>
+          </p:blipFill>
+          <p:spPr>
+            <a:xfrm rot="1662980">
+              <a:off x="9007674" y="1895360"/>
+              <a:ext cx="463114" cy="304402"/>
+            </a:xfrm>
+            <a:prstGeom prst="rect">
+              <a:avLst/>
+            </a:prstGeom>
+            <a:scene3d>
+              <a:camera prst="orthographicFront">
+                <a:rot lat="0" lon="10799999" rev="0"/>
+              </a:camera>
+              <a:lightRig rig="threePt" dir="t"/>
+            </a:scene3d>
+          </p:spPr>
+        </p:pic>
+        <p:pic>
+          <p:nvPicPr>
+            <p:cNvPr id="9" name="Picture 8" descr="A bicycle parked on the side of a road&#10;&#10;Description automatically generated">
+              <a:extLst>
+                <a:ext uri="{FF2B5EF4-FFF2-40B4-BE49-F238E27FC236}">
+                  <a16:creationId xmlns:a16="http://schemas.microsoft.com/office/drawing/2014/main" id="{631A3819-FB16-4330-985A-FE5D37FF33E0}"/>
+                </a:ext>
+              </a:extLst>
+            </p:cNvPr>
+            <p:cNvPicPr>
+              <a:picLocks noChangeAspect="1"/>
+            </p:cNvPicPr>
+            <p:nvPr/>
+          </p:nvPicPr>
+          <p:blipFill>
+            <a:blip r:embed="rId2">
+              <a:extLst>
+                <a:ext uri="{28A0092B-C50C-407E-A947-70E740481C1C}">
+                  <a14:useLocalDpi xmlns:a14="http://schemas.microsoft.com/office/drawing/2010/main" val="0"/>
+                </a:ext>
+              </a:extLst>
+            </a:blip>
+            <a:stretch>
+              <a:fillRect/>
+            </a:stretch>
+          </p:blipFill>
+          <p:spPr>
+            <a:xfrm rot="1662980">
+              <a:off x="8552744" y="1684576"/>
+              <a:ext cx="463114" cy="304402"/>
+            </a:xfrm>
+            <a:prstGeom prst="rect">
+              <a:avLst/>
+            </a:prstGeom>
+            <a:scene3d>
+              <a:camera prst="orthographicFront">
+                <a:rot lat="0" lon="10799999" rev="0"/>
+              </a:camera>
+              <a:lightRig rig="threePt" dir="t"/>
+            </a:scene3d>
+          </p:spPr>
+        </p:pic>
+      </p:grpSp>
+      <p:sp>
+        <p:nvSpPr>
+          <p:cNvPr id="10" name="TextBox 9">
+            <a:extLst>
+              <a:ext uri="{FF2B5EF4-FFF2-40B4-BE49-F238E27FC236}">
+                <a16:creationId xmlns:a16="http://schemas.microsoft.com/office/drawing/2014/main" id="{8926AEF8-89E7-4515-A869-7C065F916408}"/>
+              </a:ext>
+            </a:extLst>
+          </p:cNvPr>
+          <p:cNvSpPr txBox="1"/>
+          <p:nvPr/>
+        </p:nvSpPr>
+        <p:spPr>
+          <a:xfrm rot="2267727">
+            <a:off x="7949666" y="2379164"/>
+            <a:ext cx="2083904" cy="461665"/>
+          </a:xfrm>
+          <a:prstGeom prst="rect">
+            <a:avLst/>
+          </a:prstGeom>
+          <a:noFill/>
+        </p:spPr>
+        <p:txBody>
+          <a:bodyPr wrap="square" rtlCol="0">
+            <a:spAutoFit/>
+          </a:bodyPr>
+          <a:lstStyle/>
+          <a:p>
+            <a:pPr algn="ctr"/>
+            <a:r>
+              <a:rPr lang="en-US" sz="1200" b="1" i="1" dirty="0"/>
+              <a:t>LIVE API Interface to Capital Bikeshare System Data</a:t>
+            </a:r>
+          </a:p>
+        </p:txBody>
+      </p:sp>
+      <p:cxnSp>
+        <p:nvCxnSpPr>
+          <p:cNvPr id="11" name="Straight Arrow Connector 10">
+            <a:extLst>
+              <a:ext uri="{FF2B5EF4-FFF2-40B4-BE49-F238E27FC236}">
+                <a16:creationId xmlns:a16="http://schemas.microsoft.com/office/drawing/2014/main" id="{14C23066-9FD1-4C4B-8458-3EB80F1C7FC9}"/>
+              </a:ext>
+            </a:extLst>
+          </p:cNvPr>
+          <p:cNvCxnSpPr>
+            <a:cxnSpLocks/>
+            <a:stCxn id="33" idx="3"/>
+            <a:endCxn id="59" idx="7"/>
+          </p:cNvCxnSpPr>
+          <p:nvPr/>
+        </p:nvCxnSpPr>
+        <p:spPr>
+          <a:xfrm flipH="1">
+            <a:off x="3770925" y="1397972"/>
+            <a:ext cx="1790138" cy="729689"/>
+          </a:xfrm>
+          <a:prstGeom prst="straightConnector1">
+            <a:avLst/>
+          </a:prstGeom>
+          <a:ln w="57150">
+            <a:solidFill>
+              <a:srgbClr val="7F58C2"/>
+            </a:solidFill>
+            <a:tailEnd type="triangle"/>
+          </a:ln>
+          <a:scene3d>
+            <a:camera prst="orthographicFront"/>
+            <a:lightRig rig="threePt" dir="t"/>
+          </a:scene3d>
+          <a:sp3d>
+            <a:bevelT/>
+          </a:sp3d>
+        </p:spPr>
+        <p:style>
+          <a:lnRef idx="3">
+            <a:schemeClr val="accent2"/>
+          </a:lnRef>
+          <a:fillRef idx="0">
+            <a:schemeClr val="accent2"/>
+          </a:fillRef>
+          <a:effectRef idx="2">
+            <a:schemeClr val="accent2"/>
+          </a:effectRef>
+          <a:fontRef idx="minor">
+            <a:schemeClr val="tx1"/>
+          </a:fontRef>
+        </p:style>
+      </p:cxnSp>
+      <p:grpSp>
+        <p:nvGrpSpPr>
+          <p:cNvPr id="12" name="Group 11">
+            <a:extLst>
+              <a:ext uri="{FF2B5EF4-FFF2-40B4-BE49-F238E27FC236}">
+                <a16:creationId xmlns:a16="http://schemas.microsoft.com/office/drawing/2014/main" id="{857BA8F2-948B-4B66-AD37-0A94BADAC120}"/>
+              </a:ext>
+            </a:extLst>
+          </p:cNvPr>
+          <p:cNvGrpSpPr/>
+          <p:nvPr/>
+        </p:nvGrpSpPr>
+        <p:grpSpPr>
+          <a:xfrm rot="18616606">
+            <a:off x="3774127" y="1007514"/>
+            <a:ext cx="1826203" cy="988590"/>
+            <a:chOff x="3962601" y="1792258"/>
+            <a:chExt cx="1826203" cy="988590"/>
+          </a:xfrm>
+        </p:grpSpPr>
+        <p:pic>
+          <p:nvPicPr>
+            <p:cNvPr id="13" name="Picture 12" descr="A bicycle parked on the side of a road&#10;&#10;Description automatically generated">
+              <a:extLst>
+                <a:ext uri="{FF2B5EF4-FFF2-40B4-BE49-F238E27FC236}">
+                  <a16:creationId xmlns:a16="http://schemas.microsoft.com/office/drawing/2014/main" id="{62661CBA-F9D8-46CC-A87C-1F4AA779DC39}"/>
+                </a:ext>
+              </a:extLst>
+            </p:cNvPr>
+            <p:cNvPicPr>
+              <a:picLocks noChangeAspect="1"/>
+            </p:cNvPicPr>
+            <p:nvPr/>
+          </p:nvPicPr>
+          <p:blipFill>
+            <a:blip r:embed="rId2">
+              <a:extLst>
+                <a:ext uri="{28A0092B-C50C-407E-A947-70E740481C1C}">
+                  <a14:useLocalDpi xmlns:a14="http://schemas.microsoft.com/office/drawing/2010/main" val="0"/>
+                </a:ext>
+              </a:extLst>
+            </a:blip>
+            <a:stretch>
+              <a:fillRect/>
+            </a:stretch>
+          </p:blipFill>
+          <p:spPr>
+            <a:xfrm rot="1662980">
+              <a:off x="3962601" y="1792258"/>
+              <a:ext cx="463114" cy="304402"/>
+            </a:xfrm>
+            <a:prstGeom prst="rect">
+              <a:avLst/>
+            </a:prstGeom>
+            <a:scene3d>
+              <a:camera prst="orthographicFront">
+                <a:rot lat="0" lon="10799999" rev="0"/>
+              </a:camera>
+              <a:lightRig rig="threePt" dir="t"/>
+            </a:scene3d>
+          </p:spPr>
+        </p:pic>
+        <p:pic>
+          <p:nvPicPr>
+            <p:cNvPr id="14" name="Picture 13" descr="A bicycle parked on the side of a road&#10;&#10;Description automatically generated">
+              <a:extLst>
+                <a:ext uri="{FF2B5EF4-FFF2-40B4-BE49-F238E27FC236}">
+                  <a16:creationId xmlns:a16="http://schemas.microsoft.com/office/drawing/2014/main" id="{EEEA8FAA-B421-40F4-8D4E-82B163354630}"/>
+                </a:ext>
+              </a:extLst>
+            </p:cNvPr>
+            <p:cNvPicPr>
+              <a:picLocks noChangeAspect="1"/>
+            </p:cNvPicPr>
+            <p:nvPr/>
+          </p:nvPicPr>
+          <p:blipFill>
+            <a:blip r:embed="rId2">
+              <a:extLst>
+                <a:ext uri="{28A0092B-C50C-407E-A947-70E740481C1C}">
+                  <a14:useLocalDpi xmlns:a14="http://schemas.microsoft.com/office/drawing/2010/main" val="0"/>
+                </a:ext>
+              </a:extLst>
+            </a:blip>
+            <a:stretch>
+              <a:fillRect/>
+            </a:stretch>
+          </p:blipFill>
+          <p:spPr>
+            <a:xfrm rot="1662980">
+              <a:off x="4403826" y="2023228"/>
+              <a:ext cx="463114" cy="304402"/>
+            </a:xfrm>
+            <a:prstGeom prst="rect">
+              <a:avLst/>
+            </a:prstGeom>
+            <a:scene3d>
+              <a:camera prst="orthographicFront">
+                <a:rot lat="0" lon="10799999" rev="0"/>
+              </a:camera>
+              <a:lightRig rig="threePt" dir="t"/>
+            </a:scene3d>
+          </p:spPr>
+        </p:pic>
+        <p:pic>
+          <p:nvPicPr>
+            <p:cNvPr id="15" name="Picture 14" descr="A bicycle parked on the side of a road&#10;&#10;Description automatically generated">
+              <a:extLst>
+                <a:ext uri="{FF2B5EF4-FFF2-40B4-BE49-F238E27FC236}">
+                  <a16:creationId xmlns:a16="http://schemas.microsoft.com/office/drawing/2014/main" id="{1D0970AA-219F-4A68-BFEC-F295C0ACD570}"/>
+                </a:ext>
+              </a:extLst>
+            </p:cNvPr>
+            <p:cNvPicPr>
+              <a:picLocks noChangeAspect="1"/>
+            </p:cNvPicPr>
+            <p:nvPr/>
+          </p:nvPicPr>
+          <p:blipFill>
+            <a:blip r:embed="rId2">
+              <a:extLst>
+                <a:ext uri="{28A0092B-C50C-407E-A947-70E740481C1C}">
+                  <a14:useLocalDpi xmlns:a14="http://schemas.microsoft.com/office/drawing/2010/main" val="0"/>
+                </a:ext>
+              </a:extLst>
+            </a:blip>
+            <a:stretch>
+              <a:fillRect/>
+            </a:stretch>
+          </p:blipFill>
+          <p:spPr>
+            <a:xfrm rot="1662980">
+              <a:off x="5325690" y="2476446"/>
+              <a:ext cx="463114" cy="304402"/>
+            </a:xfrm>
+            <a:prstGeom prst="rect">
+              <a:avLst/>
+            </a:prstGeom>
+            <a:scene3d>
+              <a:camera prst="orthographicFront">
+                <a:rot lat="0" lon="10799999" rev="0"/>
+              </a:camera>
+              <a:lightRig rig="threePt" dir="t"/>
+            </a:scene3d>
+          </p:spPr>
+        </p:pic>
+        <p:pic>
+          <p:nvPicPr>
+            <p:cNvPr id="16" name="Picture 15" descr="A bicycle parked on the side of a road&#10;&#10;Description automatically generated">
+              <a:extLst>
+                <a:ext uri="{FF2B5EF4-FFF2-40B4-BE49-F238E27FC236}">
+                  <a16:creationId xmlns:a16="http://schemas.microsoft.com/office/drawing/2014/main" id="{35F8F0F1-0AA9-407C-AD9F-7E8B12C68053}"/>
+                </a:ext>
+              </a:extLst>
+            </p:cNvPr>
+            <p:cNvPicPr>
+              <a:picLocks noChangeAspect="1"/>
+            </p:cNvPicPr>
+            <p:nvPr/>
+          </p:nvPicPr>
+          <p:blipFill>
+            <a:blip r:embed="rId2">
+              <a:extLst>
+                <a:ext uri="{28A0092B-C50C-407E-A947-70E740481C1C}">
+                  <a14:useLocalDpi xmlns:a14="http://schemas.microsoft.com/office/drawing/2010/main" val="0"/>
+                </a:ext>
+              </a:extLst>
+            </a:blip>
+            <a:stretch>
+              <a:fillRect/>
+            </a:stretch>
+          </p:blipFill>
+          <p:spPr>
+            <a:xfrm rot="1662980">
+              <a:off x="4870760" y="2265662"/>
+              <a:ext cx="463114" cy="304402"/>
+            </a:xfrm>
+            <a:prstGeom prst="rect">
+              <a:avLst/>
+            </a:prstGeom>
+            <a:scene3d>
+              <a:camera prst="orthographicFront">
+                <a:rot lat="0" lon="10799999" rev="0"/>
+              </a:camera>
+              <a:lightRig rig="threePt" dir="t"/>
+            </a:scene3d>
+          </p:spPr>
+        </p:pic>
+      </p:grpSp>
+      <p:sp>
+        <p:nvSpPr>
+          <p:cNvPr id="17" name="Rectangle: Rounded Corners 16">
+            <a:extLst>
+              <a:ext uri="{FF2B5EF4-FFF2-40B4-BE49-F238E27FC236}">
+                <a16:creationId xmlns:a16="http://schemas.microsoft.com/office/drawing/2014/main" id="{B04D56B6-FA7D-4257-881E-3388145773A1}"/>
+              </a:ext>
+            </a:extLst>
+          </p:cNvPr>
+          <p:cNvSpPr/>
+          <p:nvPr/>
+        </p:nvSpPr>
+        <p:spPr>
+          <a:xfrm>
+            <a:off x="5968129" y="1708467"/>
+            <a:ext cx="1533220" cy="461185"/>
+          </a:xfrm>
+          <a:prstGeom prst="roundRect">
+            <a:avLst/>
+          </a:prstGeom>
+          <a:solidFill>
+            <a:schemeClr val="bg1">
+              <a:lumMod val="85000"/>
+            </a:schemeClr>
+          </a:solidFill>
+          <a:ln>
+            <a:solidFill>
+              <a:schemeClr val="accent2">
+                <a:lumMod val="75000"/>
+              </a:schemeClr>
+            </a:solidFill>
+          </a:ln>
+          <a:scene3d>
+            <a:camera prst="orthographicFront"/>
+            <a:lightRig rig="threePt" dir="t"/>
+          </a:scene3d>
+          <a:sp3d>
+            <a:bevelT/>
+          </a:sp3d>
+        </p:spPr>
+        <p:style>
+          <a:lnRef idx="2">
+            <a:schemeClr val="accent1">
+              <a:shade val="50000"/>
+            </a:schemeClr>
+          </a:lnRef>
+          <a:fillRef idx="1">
+            <a:schemeClr val="accent1"/>
+          </a:fillRef>
+          <a:effectRef idx="0">
+            <a:schemeClr val="accent1"/>
+          </a:effectRef>
+          <a:fontRef idx="minor">
+            <a:schemeClr val="lt1"/>
+          </a:fontRef>
+        </p:style>
+        <p:txBody>
+          <a:bodyPr rtlCol="0" anchor="ctr"/>
+          <a:lstStyle/>
+          <a:p>
+            <a:pPr algn="ctr"/>
+            <a:endParaRPr lang="en-US"/>
+          </a:p>
+        </p:txBody>
+      </p:sp>
+      <p:sp>
+        <p:nvSpPr>
+          <p:cNvPr id="18" name="TextBox 17">
+            <a:extLst>
+              <a:ext uri="{FF2B5EF4-FFF2-40B4-BE49-F238E27FC236}">
+                <a16:creationId xmlns:a16="http://schemas.microsoft.com/office/drawing/2014/main" id="{C823888F-6BCC-41BB-AA19-8047F32F1E53}"/>
+              </a:ext>
+            </a:extLst>
+          </p:cNvPr>
+          <p:cNvSpPr txBox="1"/>
+          <p:nvPr/>
+        </p:nvSpPr>
+        <p:spPr>
+          <a:xfrm>
+            <a:off x="5982389" y="1732898"/>
+            <a:ext cx="1418708" cy="400110"/>
+          </a:xfrm>
+          <a:prstGeom prst="rect">
+            <a:avLst/>
+          </a:prstGeom>
+          <a:noFill/>
+        </p:spPr>
+        <p:txBody>
+          <a:bodyPr wrap="square" rtlCol="0">
+            <a:spAutoFit/>
+          </a:bodyPr>
+          <a:lstStyle/>
+          <a:p>
+            <a:pPr algn="ctr"/>
+            <a:r>
+              <a:rPr lang="en-US" sz="1000" b="1" dirty="0"/>
+              <a:t>Teams SQL DB on AWS</a:t>
+            </a:r>
+          </a:p>
+        </p:txBody>
+      </p:sp>
+      <p:pic>
+        <p:nvPicPr>
+          <p:cNvPr id="19" name="Picture 18" descr="A close up of a logo&#10;&#10;Description automatically generated">
+            <a:extLst>
+              <a:ext uri="{FF2B5EF4-FFF2-40B4-BE49-F238E27FC236}">
+                <a16:creationId xmlns:a16="http://schemas.microsoft.com/office/drawing/2014/main" id="{4F1EEEAD-FC8E-4825-93E7-5E048071AE4A}"/>
+              </a:ext>
+            </a:extLst>
+          </p:cNvPr>
+          <p:cNvPicPr>
+            <a:picLocks noChangeAspect="1"/>
+          </p:cNvPicPr>
+          <p:nvPr/>
+        </p:nvPicPr>
+        <p:blipFill>
+          <a:blip r:embed="rId3">
+            <a:extLst>
+              <a:ext uri="{28A0092B-C50C-407E-A947-70E740481C1C}">
+                <a14:useLocalDpi xmlns:a14="http://schemas.microsoft.com/office/drawing/2010/main" val="0"/>
+              </a:ext>
+            </a:extLst>
+          </a:blip>
+          <a:stretch>
+            <a:fillRect/>
+          </a:stretch>
+        </p:blipFill>
+        <p:spPr>
+          <a:xfrm>
+            <a:off x="10306805" y="451315"/>
+            <a:ext cx="824706" cy="824706"/>
+          </a:xfrm>
+          <a:prstGeom prst="rect">
+            <a:avLst/>
+          </a:prstGeom>
+        </p:spPr>
+      </p:pic>
+      <p:cxnSp>
+        <p:nvCxnSpPr>
+          <p:cNvPr id="20" name="Straight Arrow Connector 19">
+            <a:extLst>
+              <a:ext uri="{FF2B5EF4-FFF2-40B4-BE49-F238E27FC236}">
+                <a16:creationId xmlns:a16="http://schemas.microsoft.com/office/drawing/2014/main" id="{302B305C-237A-4963-AAE4-98A113F6EB41}"/>
+              </a:ext>
+            </a:extLst>
+          </p:cNvPr>
+          <p:cNvCxnSpPr>
+            <a:cxnSpLocks/>
+            <a:stCxn id="19" idx="1"/>
+            <a:endCxn id="31" idx="7"/>
+          </p:cNvCxnSpPr>
+          <p:nvPr/>
+        </p:nvCxnSpPr>
+        <p:spPr>
+          <a:xfrm flipH="1">
+            <a:off x="7780108" y="863668"/>
+            <a:ext cx="2526697" cy="9474"/>
+          </a:xfrm>
+          <a:prstGeom prst="straightConnector1">
+            <a:avLst/>
+          </a:prstGeom>
+          <a:ln w="57150">
+            <a:solidFill>
+              <a:srgbClr val="0070C0"/>
+            </a:solidFill>
+            <a:tailEnd type="triangle"/>
+          </a:ln>
+          <a:scene3d>
+            <a:camera prst="orthographicFront"/>
+            <a:lightRig rig="threePt" dir="t"/>
+          </a:scene3d>
+          <a:sp3d>
+            <a:bevelT/>
+          </a:sp3d>
+        </p:spPr>
+        <p:style>
+          <a:lnRef idx="3">
+            <a:schemeClr val="accent2"/>
+          </a:lnRef>
+          <a:fillRef idx="0">
+            <a:schemeClr val="accent2"/>
+          </a:fillRef>
+          <a:effectRef idx="2">
+            <a:schemeClr val="accent2"/>
+          </a:effectRef>
+          <a:fontRef idx="minor">
+            <a:schemeClr val="tx1"/>
+          </a:fontRef>
+        </p:style>
+      </p:cxnSp>
+      <p:grpSp>
+        <p:nvGrpSpPr>
+          <p:cNvPr id="21" name="Group 20">
+            <a:extLst>
+              <a:ext uri="{FF2B5EF4-FFF2-40B4-BE49-F238E27FC236}">
+                <a16:creationId xmlns:a16="http://schemas.microsoft.com/office/drawing/2014/main" id="{A42AFD38-8561-4DE1-9307-96FDDD011D56}"/>
+              </a:ext>
+            </a:extLst>
+          </p:cNvPr>
+          <p:cNvGrpSpPr/>
+          <p:nvPr/>
+        </p:nvGrpSpPr>
+        <p:grpSpPr>
+          <a:xfrm>
+            <a:off x="7910152" y="120723"/>
+            <a:ext cx="2345986" cy="762611"/>
+            <a:chOff x="7400608" y="-37008"/>
+            <a:chExt cx="2345986" cy="762611"/>
+          </a:xfrm>
+        </p:grpSpPr>
+        <p:sp>
+          <p:nvSpPr>
+            <p:cNvPr id="22" name="TextBox 21">
+              <a:extLst>
+                <a:ext uri="{FF2B5EF4-FFF2-40B4-BE49-F238E27FC236}">
+                  <a16:creationId xmlns:a16="http://schemas.microsoft.com/office/drawing/2014/main" id="{924F3740-B877-4015-B997-5032D416CA1D}"/>
+                </a:ext>
+              </a:extLst>
+            </p:cNvPr>
+            <p:cNvSpPr txBox="1"/>
+            <p:nvPr/>
+          </p:nvSpPr>
+          <p:spPr>
+            <a:xfrm>
+              <a:off x="7740651" y="448604"/>
+              <a:ext cx="1788354" cy="276999"/>
+            </a:xfrm>
+            <a:prstGeom prst="rect">
+              <a:avLst/>
+            </a:prstGeom>
+            <a:noFill/>
+          </p:spPr>
+          <p:txBody>
+            <a:bodyPr wrap="square" rtlCol="0">
+              <a:spAutoFit/>
+            </a:bodyPr>
+            <a:lstStyle/>
+            <a:p>
+              <a:pPr algn="ctr"/>
+              <a:r>
+                <a:rPr lang="en-US" sz="1200" b="1" i="1" dirty="0"/>
+                <a:t>Hourly Weather Data</a:t>
+              </a:r>
+            </a:p>
+          </p:txBody>
+        </p:sp>
+        <p:pic>
+          <p:nvPicPr>
+            <p:cNvPr id="23" name="Picture 2" descr="Related image">
+              <a:extLst>
+                <a:ext uri="{FF2B5EF4-FFF2-40B4-BE49-F238E27FC236}">
+                  <a16:creationId xmlns:a16="http://schemas.microsoft.com/office/drawing/2014/main" id="{41491801-14EE-4CDB-88DF-DC78F769B5A6}"/>
+                </a:ext>
+              </a:extLst>
+            </p:cNvPr>
+            <p:cNvPicPr>
+              <a:picLocks noChangeAspect="1" noChangeArrowheads="1"/>
+            </p:cNvPicPr>
+            <p:nvPr/>
+          </p:nvPicPr>
+          <p:blipFill rotWithShape="1">
+            <a:blip r:embed="rId4">
+              <a:extLst>
+                <a:ext uri="{28A0092B-C50C-407E-A947-70E740481C1C}">
+                  <a14:useLocalDpi xmlns:a14="http://schemas.microsoft.com/office/drawing/2010/main" val="0"/>
+                </a:ext>
+              </a:extLst>
+            </a:blip>
+            <a:srcRect l="6374" t="11334" r="9052" b="6016"/>
+            <a:stretch/>
+          </p:blipFill>
+          <p:spPr bwMode="auto">
+            <a:xfrm>
+              <a:off x="9170874" y="103355"/>
+              <a:ext cx="575720" cy="562626"/>
+            </a:xfrm>
+            <a:prstGeom prst="rect">
+              <a:avLst/>
+            </a:prstGeom>
+            <a:noFill/>
+            <a:extLst>
+              <a:ext uri="{909E8E84-426E-40DD-AFC4-6F175D3DCCD1}">
+                <a14:hiddenFill xmlns:a14="http://schemas.microsoft.com/office/drawing/2010/main">
+                  <a:solidFill>
+                    <a:srgbClr val="FFFFFF"/>
+                  </a:solidFill>
+                </a14:hiddenFill>
+              </a:ext>
+            </a:extLst>
+          </p:spPr>
+        </p:pic>
+        <p:pic>
+          <p:nvPicPr>
+            <p:cNvPr id="24" name="Picture 6" descr="Image result for weather icon">
+              <a:extLst>
+                <a:ext uri="{FF2B5EF4-FFF2-40B4-BE49-F238E27FC236}">
+                  <a16:creationId xmlns:a16="http://schemas.microsoft.com/office/drawing/2014/main" id="{2A278D18-343A-4FEB-91F8-0263B1B69EBB}"/>
+                </a:ext>
+              </a:extLst>
+            </p:cNvPr>
+            <p:cNvPicPr>
+              <a:picLocks noChangeAspect="1" noChangeArrowheads="1"/>
+            </p:cNvPicPr>
+            <p:nvPr/>
+          </p:nvPicPr>
+          <p:blipFill>
+            <a:blip r:embed="rId5">
+              <a:extLst>
+                <a:ext uri="{28A0092B-C50C-407E-A947-70E740481C1C}">
+                  <a14:useLocalDpi xmlns:a14="http://schemas.microsoft.com/office/drawing/2010/main" val="0"/>
+                </a:ext>
+              </a:extLst>
+            </a:blip>
+            <a:srcRect/>
+            <a:stretch>
+              <a:fillRect/>
+            </a:stretch>
+          </p:blipFill>
+          <p:spPr bwMode="auto">
+            <a:xfrm>
+              <a:off x="7400608" y="104717"/>
+              <a:ext cx="529532" cy="529532"/>
+            </a:xfrm>
+            <a:prstGeom prst="rect">
+              <a:avLst/>
+            </a:prstGeom>
+            <a:noFill/>
+            <a:extLst>
+              <a:ext uri="{909E8E84-426E-40DD-AFC4-6F175D3DCCD1}">
+                <a14:hiddenFill xmlns:a14="http://schemas.microsoft.com/office/drawing/2010/main">
+                  <a:solidFill>
+                    <a:srgbClr val="FFFFFF"/>
+                  </a:solidFill>
+                </a14:hiddenFill>
+              </a:ext>
+            </a:extLst>
+          </p:spPr>
+        </p:pic>
+        <p:pic>
+          <p:nvPicPr>
+            <p:cNvPr id="25" name="Picture 8" descr="Image result for weather icon">
+              <a:extLst>
+                <a:ext uri="{FF2B5EF4-FFF2-40B4-BE49-F238E27FC236}">
+                  <a16:creationId xmlns:a16="http://schemas.microsoft.com/office/drawing/2014/main" id="{4BF5C7FF-5166-4FD4-9FC8-E2AB3267EAA2}"/>
+                </a:ext>
+              </a:extLst>
+            </p:cNvPr>
+            <p:cNvPicPr>
+              <a:picLocks noChangeAspect="1" noChangeArrowheads="1"/>
+            </p:cNvPicPr>
+            <p:nvPr/>
+          </p:nvPicPr>
+          <p:blipFill>
+            <a:blip r:embed="rId6">
+              <a:extLst>
+                <a:ext uri="{28A0092B-C50C-407E-A947-70E740481C1C}">
+                  <a14:useLocalDpi xmlns:a14="http://schemas.microsoft.com/office/drawing/2010/main" val="0"/>
+                </a:ext>
+              </a:extLst>
+            </a:blip>
+            <a:srcRect/>
+            <a:stretch>
+              <a:fillRect/>
+            </a:stretch>
+          </p:blipFill>
+          <p:spPr bwMode="auto">
+            <a:xfrm>
+              <a:off x="8264378" y="-37008"/>
+              <a:ext cx="616962" cy="616962"/>
+            </a:xfrm>
+            <a:prstGeom prst="rect">
+              <a:avLst/>
+            </a:prstGeom>
+            <a:noFill/>
+            <a:extLst>
+              <a:ext uri="{909E8E84-426E-40DD-AFC4-6F175D3DCCD1}">
+                <a14:hiddenFill xmlns:a14="http://schemas.microsoft.com/office/drawing/2010/main">
+                  <a:solidFill>
+                    <a:srgbClr val="FFFFFF"/>
+                  </a:solidFill>
+                </a14:hiddenFill>
+              </a:ext>
+            </a:extLst>
+          </p:spPr>
+        </p:pic>
+      </p:grpSp>
+      <p:cxnSp>
+        <p:nvCxnSpPr>
+          <p:cNvPr id="26" name="Straight Arrow Connector 25">
+            <a:extLst>
+              <a:ext uri="{FF2B5EF4-FFF2-40B4-BE49-F238E27FC236}">
+                <a16:creationId xmlns:a16="http://schemas.microsoft.com/office/drawing/2014/main" id="{9E0D89EE-FE7F-4C82-B9A9-820EFCA50B33}"/>
+              </a:ext>
+            </a:extLst>
+          </p:cNvPr>
+          <p:cNvCxnSpPr>
+            <a:cxnSpLocks/>
+            <a:stCxn id="57" idx="7"/>
+            <a:endCxn id="29" idx="4"/>
+          </p:cNvCxnSpPr>
+          <p:nvPr/>
+        </p:nvCxnSpPr>
+        <p:spPr>
+          <a:xfrm flipV="1">
+            <a:off x="3770925" y="1584607"/>
+            <a:ext cx="2039846" cy="874131"/>
+          </a:xfrm>
+          <a:prstGeom prst="straightConnector1">
+            <a:avLst/>
+          </a:prstGeom>
+          <a:ln w="57150">
+            <a:solidFill>
+              <a:srgbClr val="7F58C2"/>
+            </a:solidFill>
+            <a:tailEnd type="triangle"/>
+          </a:ln>
+          <a:scene3d>
+            <a:camera prst="orthographicFront"/>
+            <a:lightRig rig="threePt" dir="t"/>
+          </a:scene3d>
+          <a:sp3d>
+            <a:bevelT/>
+          </a:sp3d>
+        </p:spPr>
+        <p:style>
+          <a:lnRef idx="3">
+            <a:schemeClr val="accent2"/>
+          </a:lnRef>
+          <a:fillRef idx="0">
+            <a:schemeClr val="accent2"/>
+          </a:fillRef>
+          <a:effectRef idx="2">
+            <a:schemeClr val="accent2"/>
+          </a:effectRef>
+          <a:fontRef idx="minor">
+            <a:schemeClr val="tx1"/>
+          </a:fontRef>
+        </p:style>
+      </p:cxnSp>
+      <p:grpSp>
+        <p:nvGrpSpPr>
+          <p:cNvPr id="27" name="Group 26">
+            <a:extLst>
+              <a:ext uri="{FF2B5EF4-FFF2-40B4-BE49-F238E27FC236}">
+                <a16:creationId xmlns:a16="http://schemas.microsoft.com/office/drawing/2014/main" id="{6DBE1220-2AED-4F67-A611-93BCBE640929}"/>
+              </a:ext>
+            </a:extLst>
+          </p:cNvPr>
+          <p:cNvGrpSpPr/>
+          <p:nvPr/>
+        </p:nvGrpSpPr>
+        <p:grpSpPr>
+          <a:xfrm>
+            <a:off x="5538745" y="157731"/>
+            <a:ext cx="2357436" cy="1550736"/>
+            <a:chOff x="5029201" y="0"/>
+            <a:chExt cx="2357436" cy="1550736"/>
+          </a:xfrm>
+        </p:grpSpPr>
+        <p:grpSp>
+          <p:nvGrpSpPr>
+            <p:cNvPr id="28" name="Group 27">
+              <a:extLst>
+                <a:ext uri="{FF2B5EF4-FFF2-40B4-BE49-F238E27FC236}">
+                  <a16:creationId xmlns:a16="http://schemas.microsoft.com/office/drawing/2014/main" id="{FDA2715B-110D-4278-9B10-4570D522E858}"/>
+                </a:ext>
+              </a:extLst>
+            </p:cNvPr>
+            <p:cNvGrpSpPr/>
+            <p:nvPr/>
+          </p:nvGrpSpPr>
+          <p:grpSpPr>
+            <a:xfrm>
+              <a:off x="5029201" y="0"/>
+              <a:ext cx="2357436" cy="1550736"/>
+              <a:chOff x="5029201" y="0"/>
+              <a:chExt cx="2357436" cy="1550736"/>
+            </a:xfrm>
+          </p:grpSpPr>
+          <p:grpSp>
+            <p:nvGrpSpPr>
+              <p:cNvPr id="30" name="Group 29">
+                <a:extLst>
+                  <a:ext uri="{FF2B5EF4-FFF2-40B4-BE49-F238E27FC236}">
+                    <a16:creationId xmlns:a16="http://schemas.microsoft.com/office/drawing/2014/main" id="{6EA5CFA3-2F5C-4119-99F0-52881F306B32}"/>
+                  </a:ext>
+                </a:extLst>
+              </p:cNvPr>
+              <p:cNvGrpSpPr/>
+              <p:nvPr/>
+            </p:nvGrpSpPr>
+            <p:grpSpPr>
+              <a:xfrm>
+                <a:off x="5029201" y="0"/>
+                <a:ext cx="2357436" cy="1550736"/>
+                <a:chOff x="5029201" y="0"/>
+                <a:chExt cx="2357436" cy="1550736"/>
+              </a:xfrm>
+            </p:grpSpPr>
+            <p:grpSp>
+              <p:nvGrpSpPr>
+                <p:cNvPr id="32" name="Group 31">
+                  <a:extLst>
+                    <a:ext uri="{FF2B5EF4-FFF2-40B4-BE49-F238E27FC236}">
+                      <a16:creationId xmlns:a16="http://schemas.microsoft.com/office/drawing/2014/main" id="{6ABA4B93-5573-44D7-9589-E85E7D65FCF9}"/>
+                    </a:ext>
+                  </a:extLst>
+                </p:cNvPr>
+                <p:cNvGrpSpPr/>
+                <p:nvPr/>
+              </p:nvGrpSpPr>
+              <p:grpSpPr>
+                <a:xfrm>
+                  <a:off x="5033962" y="0"/>
+                  <a:ext cx="2352675" cy="1550736"/>
+                  <a:chOff x="5033962" y="0"/>
+                  <a:chExt cx="2352675" cy="1550736"/>
+                </a:xfrm>
+              </p:grpSpPr>
+              <p:pic>
+                <p:nvPicPr>
+                  <p:cNvPr id="34" name="Picture 33" descr="A close up of a sign&#10;&#10;Description automatically generated">
+                    <a:extLst>
+                      <a:ext uri="{FF2B5EF4-FFF2-40B4-BE49-F238E27FC236}">
+                        <a16:creationId xmlns:a16="http://schemas.microsoft.com/office/drawing/2014/main" id="{7E4E63E0-B713-44D4-8AA1-AA4743006919}"/>
+                      </a:ext>
+                    </a:extLst>
+                  </p:cNvPr>
+                  <p:cNvPicPr>
+                    <a:picLocks noChangeAspect="1"/>
+                  </p:cNvPicPr>
+                  <p:nvPr/>
+                </p:nvPicPr>
+                <p:blipFill rotWithShape="1">
+                  <a:blip r:embed="rId7">
+                    <a:extLst>
+                      <a:ext uri="{28A0092B-C50C-407E-A947-70E740481C1C}">
+                        <a14:useLocalDpi xmlns:a14="http://schemas.microsoft.com/office/drawing/2010/main" val="0"/>
+                      </a:ext>
+                    </a:extLst>
+                  </a:blip>
+                  <a:srcRect l="14377" t="26602" r="14276" b="26370"/>
+                  <a:stretch/>
+                </p:blipFill>
+                <p:spPr>
+                  <a:xfrm>
+                    <a:off x="5033962" y="0"/>
+                    <a:ext cx="2352675" cy="1550736"/>
+                  </a:xfrm>
+                  <a:prstGeom prst="rect">
+                    <a:avLst/>
+                  </a:prstGeom>
+                </p:spPr>
+              </p:pic>
+              <p:sp>
+                <p:nvSpPr>
+                  <p:cNvPr id="35" name="Oval 34">
+                    <a:extLst>
+                      <a:ext uri="{FF2B5EF4-FFF2-40B4-BE49-F238E27FC236}">
+                        <a16:creationId xmlns:a16="http://schemas.microsoft.com/office/drawing/2014/main" id="{2B23F0D0-0BAA-43F9-9622-85AA08661421}"/>
+                      </a:ext>
+                    </a:extLst>
+                  </p:cNvPr>
+                  <p:cNvSpPr/>
+                  <p:nvPr/>
+                </p:nvSpPr>
+                <p:spPr>
+                  <a:xfrm>
+                    <a:off x="7162800" y="1162050"/>
+                    <a:ext cx="152400" cy="142875"/>
+                  </a:xfrm>
+                  <a:prstGeom prst="ellipse">
+                    <a:avLst/>
+                  </a:prstGeom>
+                  <a:solidFill>
+                    <a:srgbClr val="F58535"/>
+                  </a:solidFill>
+                  <a:ln>
+                    <a:noFill/>
+                  </a:ln>
+                </p:spPr>
+                <p:style>
+                  <a:lnRef idx="2">
+                    <a:schemeClr val="accent2">
+                      <a:shade val="50000"/>
+                    </a:schemeClr>
+                  </a:lnRef>
+                  <a:fillRef idx="1">
+                    <a:schemeClr val="accent2"/>
+                  </a:fillRef>
+                  <a:effectRef idx="0">
+                    <a:schemeClr val="accent2"/>
+                  </a:effectRef>
+                  <a:fontRef idx="minor">
+                    <a:schemeClr val="lt1"/>
+                  </a:fontRef>
+                </p:style>
+                <p:txBody>
+                  <a:bodyPr rtlCol="0" anchor="ctr"/>
+                  <a:lstStyle/>
+                  <a:p>
+                    <a:pPr algn="ctr"/>
+                    <a:endParaRPr lang="en-US"/>
+                  </a:p>
+                </p:txBody>
+              </p:sp>
+            </p:grpSp>
+            <p:sp>
+              <p:nvSpPr>
+                <p:cNvPr id="33" name="Oval 32">
+                  <a:extLst>
+                    <a:ext uri="{FF2B5EF4-FFF2-40B4-BE49-F238E27FC236}">
+                      <a16:creationId xmlns:a16="http://schemas.microsoft.com/office/drawing/2014/main" id="{DE4430D7-45BF-45EE-85C9-C5F4148C04E0}"/>
+                    </a:ext>
+                  </a:extLst>
+                </p:cNvPr>
+                <p:cNvSpPr/>
+                <p:nvPr/>
+              </p:nvSpPr>
+              <p:spPr>
+                <a:xfrm>
+                  <a:off x="5029201" y="1118290"/>
+                  <a:ext cx="152400" cy="142875"/>
+                </a:xfrm>
+                <a:prstGeom prst="ellipse">
+                  <a:avLst/>
+                </a:prstGeom>
+                <a:solidFill>
+                  <a:srgbClr val="F58535"/>
+                </a:solidFill>
+                <a:ln>
+                  <a:noFill/>
+                </a:ln>
+              </p:spPr>
+              <p:style>
+                <a:lnRef idx="2">
+                  <a:schemeClr val="accent2">
+                    <a:shade val="50000"/>
+                  </a:schemeClr>
+                </a:lnRef>
+                <a:fillRef idx="1">
+                  <a:schemeClr val="accent2"/>
+                </a:fillRef>
+                <a:effectRef idx="0">
+                  <a:schemeClr val="accent2"/>
+                </a:effectRef>
+                <a:fontRef idx="minor">
+                  <a:schemeClr val="lt1"/>
+                </a:fontRef>
+              </p:style>
+              <p:txBody>
+                <a:bodyPr rtlCol="0" anchor="ctr"/>
+                <a:lstStyle/>
+                <a:p>
+                  <a:pPr algn="ctr"/>
+                  <a:endParaRPr lang="en-US"/>
+                </a:p>
+              </p:txBody>
+            </p:sp>
+          </p:grpSp>
+          <p:sp>
+            <p:nvSpPr>
+              <p:cNvPr id="31" name="Oval 30">
+                <a:extLst>
+                  <a:ext uri="{FF2B5EF4-FFF2-40B4-BE49-F238E27FC236}">
+                    <a16:creationId xmlns:a16="http://schemas.microsoft.com/office/drawing/2014/main" id="{FFF1C4D6-AB3B-4C3F-832A-80A0DA974F7D}"/>
+                  </a:ext>
+                </a:extLst>
+              </p:cNvPr>
+              <p:cNvSpPr/>
+              <p:nvPr/>
+            </p:nvSpPr>
+            <p:spPr>
+              <a:xfrm>
+                <a:off x="7140482" y="694487"/>
+                <a:ext cx="152400" cy="142875"/>
+              </a:xfrm>
+              <a:prstGeom prst="ellipse">
+                <a:avLst/>
+              </a:prstGeom>
+              <a:solidFill>
+                <a:srgbClr val="F58535"/>
+              </a:solidFill>
+              <a:ln>
+                <a:noFill/>
+              </a:ln>
+            </p:spPr>
+            <p:style>
+              <a:lnRef idx="2">
+                <a:schemeClr val="accent2">
+                  <a:shade val="50000"/>
+                </a:schemeClr>
+              </a:lnRef>
+              <a:fillRef idx="1">
+                <a:schemeClr val="accent2"/>
+              </a:fillRef>
+              <a:effectRef idx="0">
+                <a:schemeClr val="accent2"/>
+              </a:effectRef>
+              <a:fontRef idx="minor">
+                <a:schemeClr val="lt1"/>
+              </a:fontRef>
+            </p:style>
+            <p:txBody>
+              <a:bodyPr rtlCol="0" anchor="ctr"/>
+              <a:lstStyle/>
+              <a:p>
+                <a:pPr algn="ctr"/>
+                <a:endParaRPr lang="en-US"/>
+              </a:p>
+            </p:txBody>
+          </p:sp>
+        </p:grpSp>
+        <p:sp>
+          <p:nvSpPr>
+            <p:cNvPr id="29" name="Oval 28">
+              <a:extLst>
+                <a:ext uri="{FF2B5EF4-FFF2-40B4-BE49-F238E27FC236}">
+                  <a16:creationId xmlns:a16="http://schemas.microsoft.com/office/drawing/2014/main" id="{4A168E13-FF54-481D-BF77-1CAD3F150DE3}"/>
+                </a:ext>
+              </a:extLst>
+            </p:cNvPr>
+            <p:cNvSpPr/>
+            <p:nvPr/>
+          </p:nvSpPr>
+          <p:spPr>
+            <a:xfrm>
+              <a:off x="5225027" y="1284001"/>
+              <a:ext cx="152400" cy="142875"/>
+            </a:xfrm>
+            <a:prstGeom prst="ellipse">
+              <a:avLst/>
+            </a:prstGeom>
+            <a:solidFill>
+              <a:srgbClr val="F58535"/>
+            </a:solidFill>
+            <a:ln>
+              <a:noFill/>
+            </a:ln>
+          </p:spPr>
+          <p:style>
+            <a:lnRef idx="2">
+              <a:schemeClr val="accent2">
+                <a:shade val="50000"/>
+              </a:schemeClr>
+            </a:lnRef>
+            <a:fillRef idx="1">
+              <a:schemeClr val="accent2"/>
+            </a:fillRef>
+            <a:effectRef idx="0">
+              <a:schemeClr val="accent2"/>
+            </a:effectRef>
+            <a:fontRef idx="minor">
+              <a:schemeClr val="lt1"/>
+            </a:fontRef>
+          </p:style>
+          <p:txBody>
+            <a:bodyPr rtlCol="0" anchor="ctr"/>
+            <a:lstStyle/>
+            <a:p>
+              <a:pPr algn="ctr"/>
+              <a:endParaRPr lang="en-US"/>
+            </a:p>
+          </p:txBody>
+        </p:sp>
+      </p:grpSp>
+      <p:grpSp>
+        <p:nvGrpSpPr>
+          <p:cNvPr id="36" name="Group 35">
+            <a:extLst>
+              <a:ext uri="{FF2B5EF4-FFF2-40B4-BE49-F238E27FC236}">
+                <a16:creationId xmlns:a16="http://schemas.microsoft.com/office/drawing/2014/main" id="{65867C36-83C7-4FD1-BBDE-BCC956F18657}"/>
+              </a:ext>
+            </a:extLst>
+          </p:cNvPr>
+          <p:cNvGrpSpPr/>
+          <p:nvPr/>
+        </p:nvGrpSpPr>
+        <p:grpSpPr>
+          <a:xfrm>
+            <a:off x="3894327" y="1775468"/>
+            <a:ext cx="1767937" cy="896165"/>
+            <a:chOff x="3384783" y="1617737"/>
+            <a:chExt cx="1767937" cy="896165"/>
+          </a:xfrm>
+        </p:grpSpPr>
+        <p:pic>
+          <p:nvPicPr>
+            <p:cNvPr id="37" name="Picture 36" descr="A bicycle parked on the side of a road&#10;&#10;Description automatically generated">
+              <a:extLst>
+                <a:ext uri="{FF2B5EF4-FFF2-40B4-BE49-F238E27FC236}">
+                  <a16:creationId xmlns:a16="http://schemas.microsoft.com/office/drawing/2014/main" id="{986495CF-4C6C-4E68-AD6A-07C0B087C898}"/>
+                </a:ext>
+              </a:extLst>
+            </p:cNvPr>
+            <p:cNvPicPr>
+              <a:picLocks noChangeAspect="1"/>
+            </p:cNvPicPr>
+            <p:nvPr/>
+          </p:nvPicPr>
+          <p:blipFill>
+            <a:blip r:embed="rId2">
+              <a:extLst>
+                <a:ext uri="{28A0092B-C50C-407E-A947-70E740481C1C}">
+                  <a14:useLocalDpi xmlns:a14="http://schemas.microsoft.com/office/drawing/2010/main" val="0"/>
+                </a:ext>
+              </a:extLst>
+            </a:blip>
+            <a:stretch>
+              <a:fillRect/>
+            </a:stretch>
+          </p:blipFill>
+          <p:spPr>
+            <a:xfrm rot="20451783" flipH="1">
+              <a:off x="3384783" y="2209500"/>
+              <a:ext cx="463114" cy="304402"/>
+            </a:xfrm>
+            <a:prstGeom prst="rect">
+              <a:avLst/>
+            </a:prstGeom>
+            <a:scene3d>
+              <a:camera prst="orthographicFront">
+                <a:rot lat="0" lon="10799999" rev="0"/>
+              </a:camera>
+              <a:lightRig rig="threePt" dir="t"/>
+            </a:scene3d>
+          </p:spPr>
+        </p:pic>
+        <p:pic>
+          <p:nvPicPr>
+            <p:cNvPr id="38" name="Picture 37" descr="A bicycle parked on the side of a road&#10;&#10;Description automatically generated">
+              <a:extLst>
+                <a:ext uri="{FF2B5EF4-FFF2-40B4-BE49-F238E27FC236}">
+                  <a16:creationId xmlns:a16="http://schemas.microsoft.com/office/drawing/2014/main" id="{835D8225-B085-47C3-8159-DF2FFFD3B4A1}"/>
+                </a:ext>
+              </a:extLst>
+            </p:cNvPr>
+            <p:cNvPicPr>
+              <a:picLocks noChangeAspect="1"/>
+            </p:cNvPicPr>
+            <p:nvPr/>
+          </p:nvPicPr>
+          <p:blipFill>
+            <a:blip r:embed="rId2">
+              <a:extLst>
+                <a:ext uri="{28A0092B-C50C-407E-A947-70E740481C1C}">
+                  <a14:useLocalDpi xmlns:a14="http://schemas.microsoft.com/office/drawing/2010/main" val="0"/>
+                </a:ext>
+              </a:extLst>
+            </a:blip>
+            <a:stretch>
+              <a:fillRect/>
+            </a:stretch>
+          </p:blipFill>
+          <p:spPr>
+            <a:xfrm rot="20451783" flipH="1">
+              <a:off x="3811267" y="2014728"/>
+              <a:ext cx="463114" cy="304402"/>
+            </a:xfrm>
+            <a:prstGeom prst="rect">
+              <a:avLst/>
+            </a:prstGeom>
+            <a:scene3d>
+              <a:camera prst="orthographicFront">
+                <a:rot lat="0" lon="10799999" rev="0"/>
+              </a:camera>
+              <a:lightRig rig="threePt" dir="t"/>
+            </a:scene3d>
+          </p:spPr>
+        </p:pic>
+        <p:pic>
+          <p:nvPicPr>
+            <p:cNvPr id="39" name="Picture 38" descr="A bicycle parked on the side of a road&#10;&#10;Description automatically generated">
+              <a:extLst>
+                <a:ext uri="{FF2B5EF4-FFF2-40B4-BE49-F238E27FC236}">
+                  <a16:creationId xmlns:a16="http://schemas.microsoft.com/office/drawing/2014/main" id="{C7056987-FE9D-46DE-A2B3-F749795920BA}"/>
+                </a:ext>
+              </a:extLst>
+            </p:cNvPr>
+            <p:cNvPicPr>
+              <a:picLocks noChangeAspect="1"/>
+            </p:cNvPicPr>
+            <p:nvPr/>
+          </p:nvPicPr>
+          <p:blipFill>
+            <a:blip r:embed="rId2">
+              <a:extLst>
+                <a:ext uri="{28A0092B-C50C-407E-A947-70E740481C1C}">
+                  <a14:useLocalDpi xmlns:a14="http://schemas.microsoft.com/office/drawing/2010/main" val="0"/>
+                </a:ext>
+              </a:extLst>
+            </a:blip>
+            <a:stretch>
+              <a:fillRect/>
+            </a:stretch>
+          </p:blipFill>
+          <p:spPr>
+            <a:xfrm rot="20451783" flipH="1">
+              <a:off x="4253871" y="1819956"/>
+              <a:ext cx="463114" cy="304402"/>
+            </a:xfrm>
+            <a:prstGeom prst="rect">
+              <a:avLst/>
+            </a:prstGeom>
+            <a:scene3d>
+              <a:camera prst="orthographicFront">
+                <a:rot lat="0" lon="10799999" rev="0"/>
+              </a:camera>
+              <a:lightRig rig="threePt" dir="t"/>
+            </a:scene3d>
+          </p:spPr>
+        </p:pic>
+        <p:pic>
+          <p:nvPicPr>
+            <p:cNvPr id="40" name="Picture 39" descr="A bicycle parked on the side of a road&#10;&#10;Description automatically generated">
+              <a:extLst>
+                <a:ext uri="{FF2B5EF4-FFF2-40B4-BE49-F238E27FC236}">
+                  <a16:creationId xmlns:a16="http://schemas.microsoft.com/office/drawing/2014/main" id="{F69B1A18-C15C-4E8F-8A07-CB3725210F50}"/>
+                </a:ext>
+              </a:extLst>
+            </p:cNvPr>
+            <p:cNvPicPr>
+              <a:picLocks noChangeAspect="1"/>
+            </p:cNvPicPr>
+            <p:nvPr/>
+          </p:nvPicPr>
+          <p:blipFill>
+            <a:blip r:embed="rId2">
+              <a:extLst>
+                <a:ext uri="{28A0092B-C50C-407E-A947-70E740481C1C}">
+                  <a14:useLocalDpi xmlns:a14="http://schemas.microsoft.com/office/drawing/2010/main" val="0"/>
+                </a:ext>
+              </a:extLst>
+            </a:blip>
+            <a:stretch>
+              <a:fillRect/>
+            </a:stretch>
+          </p:blipFill>
+          <p:spPr>
+            <a:xfrm rot="20451783" flipH="1">
+              <a:off x="4689606" y="1617737"/>
+              <a:ext cx="463114" cy="304402"/>
+            </a:xfrm>
+            <a:prstGeom prst="rect">
+              <a:avLst/>
+            </a:prstGeom>
+            <a:scene3d>
+              <a:camera prst="orthographicFront">
+                <a:rot lat="0" lon="10799999" rev="0"/>
+              </a:camera>
+              <a:lightRig rig="threePt" dir="t"/>
+            </a:scene3d>
+          </p:spPr>
+        </p:pic>
+      </p:grpSp>
+      <p:grpSp>
+        <p:nvGrpSpPr>
+          <p:cNvPr id="41" name="Group 40">
+            <a:extLst>
+              <a:ext uri="{FF2B5EF4-FFF2-40B4-BE49-F238E27FC236}">
+                <a16:creationId xmlns:a16="http://schemas.microsoft.com/office/drawing/2014/main" id="{CE3ACD29-08AD-4483-A504-7D1312CE936D}"/>
+              </a:ext>
+            </a:extLst>
+          </p:cNvPr>
+          <p:cNvGrpSpPr/>
+          <p:nvPr/>
+        </p:nvGrpSpPr>
+        <p:grpSpPr>
+          <a:xfrm>
+            <a:off x="3770925" y="157731"/>
+            <a:ext cx="4251511" cy="3592932"/>
+            <a:chOff x="3261381" y="0"/>
+            <a:chExt cx="4251511" cy="3592932"/>
+          </a:xfrm>
+        </p:grpSpPr>
+        <p:sp>
+          <p:nvSpPr>
+            <p:cNvPr id="42" name="Rectangle: Rounded Corners 41">
+              <a:extLst>
+                <a:ext uri="{FF2B5EF4-FFF2-40B4-BE49-F238E27FC236}">
+                  <a16:creationId xmlns:a16="http://schemas.microsoft.com/office/drawing/2014/main" id="{ED33E51A-66C2-41EF-BC85-220AF2F6F794}"/>
+                </a:ext>
+              </a:extLst>
+            </p:cNvPr>
+            <p:cNvSpPr/>
+            <p:nvPr/>
+          </p:nvSpPr>
+          <p:spPr>
+            <a:xfrm>
+              <a:off x="3261381" y="0"/>
+              <a:ext cx="4251511" cy="3307080"/>
+            </a:xfrm>
+            <a:prstGeom prst="roundRect">
+              <a:avLst/>
+            </a:prstGeom>
+            <a:noFill/>
+            <a:ln w="38100">
+              <a:solidFill>
+                <a:srgbClr val="00B050"/>
+              </a:solidFill>
+            </a:ln>
+          </p:spPr>
+          <p:style>
+            <a:lnRef idx="2">
+              <a:schemeClr val="accent1">
+                <a:shade val="50000"/>
+              </a:schemeClr>
+            </a:lnRef>
+            <a:fillRef idx="1">
+              <a:schemeClr val="accent1"/>
+            </a:fillRef>
+            <a:effectRef idx="0">
+              <a:schemeClr val="accent1"/>
+            </a:effectRef>
+            <a:fontRef idx="minor">
+              <a:schemeClr val="lt1"/>
+            </a:fontRef>
+          </p:style>
+          <p:txBody>
+            <a:bodyPr rtlCol="0" anchor="ctr"/>
+            <a:lstStyle/>
+            <a:p>
+              <a:pPr algn="ctr"/>
+              <a:endParaRPr lang="en-US"/>
+            </a:p>
+          </p:txBody>
+        </p:sp>
+        <p:pic>
+          <p:nvPicPr>
+            <p:cNvPr id="43" name="Picture 42">
+              <a:extLst>
+                <a:ext uri="{FF2B5EF4-FFF2-40B4-BE49-F238E27FC236}">
+                  <a16:creationId xmlns:a16="http://schemas.microsoft.com/office/drawing/2014/main" id="{2D9ECDDF-BA93-4BFD-95B5-702396824C10}"/>
+                </a:ext>
+              </a:extLst>
+            </p:cNvPr>
+            <p:cNvPicPr>
+              <a:picLocks noChangeAspect="1"/>
+            </p:cNvPicPr>
+            <p:nvPr/>
+          </p:nvPicPr>
+          <p:blipFill>
+            <a:blip r:embed="rId8">
+              <a:extLst>
+                <a:ext uri="{28A0092B-C50C-407E-A947-70E740481C1C}">
+                  <a14:useLocalDpi xmlns:a14="http://schemas.microsoft.com/office/drawing/2010/main" val="0"/>
+                </a:ext>
+              </a:extLst>
+            </a:blip>
+            <a:stretch>
+              <a:fillRect/>
+            </a:stretch>
+          </p:blipFill>
+          <p:spPr>
+            <a:xfrm>
+              <a:off x="4879284" y="2987134"/>
+              <a:ext cx="905944" cy="605798"/>
+            </a:xfrm>
+            <a:prstGeom prst="rect">
+              <a:avLst/>
+            </a:prstGeom>
+          </p:spPr>
+        </p:pic>
+      </p:grpSp>
+      <p:sp>
+        <p:nvSpPr>
+          <p:cNvPr id="44" name="TextBox 43">
+            <a:extLst>
+              <a:ext uri="{FF2B5EF4-FFF2-40B4-BE49-F238E27FC236}">
+                <a16:creationId xmlns:a16="http://schemas.microsoft.com/office/drawing/2014/main" id="{C42A9F65-8A49-4F25-AD19-DBA97459149A}"/>
+              </a:ext>
+            </a:extLst>
+          </p:cNvPr>
+          <p:cNvSpPr txBox="1"/>
+          <p:nvPr/>
+        </p:nvSpPr>
+        <p:spPr>
+          <a:xfrm rot="20190074">
+            <a:off x="3806724" y="1718489"/>
+            <a:ext cx="2004965" cy="261610"/>
+          </a:xfrm>
+          <a:prstGeom prst="rect">
+            <a:avLst/>
+          </a:prstGeom>
+          <a:noFill/>
+        </p:spPr>
+        <p:txBody>
+          <a:bodyPr wrap="square" rtlCol="0">
+            <a:spAutoFit/>
+          </a:bodyPr>
+          <a:lstStyle/>
+          <a:p>
+            <a:pPr algn="ctr"/>
+            <a:r>
+              <a:rPr lang="en-US" sz="1100" b="1" i="1" dirty="0"/>
+              <a:t>Team’s own API Connection</a:t>
+            </a:r>
+          </a:p>
+        </p:txBody>
+      </p:sp>
+      <p:cxnSp>
+        <p:nvCxnSpPr>
+          <p:cNvPr id="45" name="Straight Connector 44">
+            <a:extLst>
+              <a:ext uri="{FF2B5EF4-FFF2-40B4-BE49-F238E27FC236}">
+                <a16:creationId xmlns:a16="http://schemas.microsoft.com/office/drawing/2014/main" id="{4B141E5E-8774-4158-9E0C-93B82A164F43}"/>
+              </a:ext>
+            </a:extLst>
+          </p:cNvPr>
+          <p:cNvCxnSpPr>
+            <a:cxnSpLocks/>
+            <a:stCxn id="50" idx="7"/>
+            <a:endCxn id="55" idx="2"/>
+          </p:cNvCxnSpPr>
+          <p:nvPr/>
+        </p:nvCxnSpPr>
+        <p:spPr>
+          <a:xfrm flipV="1">
+            <a:off x="965265" y="2179851"/>
+            <a:ext cx="2064392" cy="575300"/>
+          </a:xfrm>
+          <a:prstGeom prst="line">
+            <a:avLst/>
+          </a:prstGeom>
+          <a:ln>
+            <a:solidFill>
+              <a:srgbClr val="7F58C2"/>
+            </a:solidFill>
+          </a:ln>
+        </p:spPr>
+        <p:style>
+          <a:lnRef idx="1">
+            <a:schemeClr val="accent1"/>
+          </a:lnRef>
+          <a:fillRef idx="0">
+            <a:schemeClr val="accent1"/>
+          </a:fillRef>
+          <a:effectRef idx="0">
+            <a:schemeClr val="accent1"/>
+          </a:effectRef>
+          <a:fontRef idx="minor">
+            <a:schemeClr val="tx1"/>
+          </a:fontRef>
+        </p:style>
+      </p:cxnSp>
+      <p:grpSp>
+        <p:nvGrpSpPr>
+          <p:cNvPr id="46" name="Group 45">
+            <a:extLst>
+              <a:ext uri="{FF2B5EF4-FFF2-40B4-BE49-F238E27FC236}">
+                <a16:creationId xmlns:a16="http://schemas.microsoft.com/office/drawing/2014/main" id="{03AC0C83-D1BA-49D7-A8F7-B4E7DA2D85E7}"/>
+              </a:ext>
+            </a:extLst>
+          </p:cNvPr>
+          <p:cNvGrpSpPr/>
+          <p:nvPr/>
+        </p:nvGrpSpPr>
+        <p:grpSpPr>
+          <a:xfrm>
+            <a:off x="839606" y="2739133"/>
+            <a:ext cx="1888698" cy="1653247"/>
+            <a:chOff x="238716" y="2526595"/>
+            <a:chExt cx="1955160" cy="2159503"/>
+          </a:xfrm>
+        </p:grpSpPr>
+        <p:grpSp>
+          <p:nvGrpSpPr>
+            <p:cNvPr id="47" name="Group 46">
+              <a:extLst>
+                <a:ext uri="{FF2B5EF4-FFF2-40B4-BE49-F238E27FC236}">
+                  <a16:creationId xmlns:a16="http://schemas.microsoft.com/office/drawing/2014/main" id="{25F2A17E-54FA-4FCE-9A9E-9DF9A9D17235}"/>
+                </a:ext>
+              </a:extLst>
+            </p:cNvPr>
+            <p:cNvGrpSpPr/>
+            <p:nvPr/>
+          </p:nvGrpSpPr>
+          <p:grpSpPr>
+            <a:xfrm>
+              <a:off x="238716" y="2526595"/>
+              <a:ext cx="1955160" cy="2159503"/>
+              <a:chOff x="238716" y="2526595"/>
+              <a:chExt cx="1955160" cy="2159503"/>
+            </a:xfrm>
+          </p:grpSpPr>
+          <p:pic>
+            <p:nvPicPr>
+              <p:cNvPr id="49" name="Picture 48">
+                <a:extLst>
+                  <a:ext uri="{FF2B5EF4-FFF2-40B4-BE49-F238E27FC236}">
+                    <a16:creationId xmlns:a16="http://schemas.microsoft.com/office/drawing/2014/main" id="{3C567F41-0793-4F6F-A8FE-FCEE938C0D50}"/>
+                  </a:ext>
+                </a:extLst>
+              </p:cNvPr>
+              <p:cNvPicPr>
+                <a:picLocks noChangeAspect="1"/>
+              </p:cNvPicPr>
+              <p:nvPr/>
+            </p:nvPicPr>
+            <p:blipFill>
+              <a:blip r:embed="rId9"/>
+              <a:stretch>
+                <a:fillRect/>
+              </a:stretch>
+            </p:blipFill>
+            <p:spPr>
+              <a:xfrm>
+                <a:off x="314916" y="2589025"/>
+                <a:ext cx="1878960" cy="2097073"/>
+              </a:xfrm>
+              <a:prstGeom prst="rect">
+                <a:avLst/>
+              </a:prstGeom>
+            </p:spPr>
+          </p:pic>
+          <p:sp>
+            <p:nvSpPr>
+              <p:cNvPr id="50" name="Oval 49">
+                <a:extLst>
+                  <a:ext uri="{FF2B5EF4-FFF2-40B4-BE49-F238E27FC236}">
+                    <a16:creationId xmlns:a16="http://schemas.microsoft.com/office/drawing/2014/main" id="{8168C126-820F-4FA6-8943-AC83CD5B5DF7}"/>
+                  </a:ext>
+                </a:extLst>
+              </p:cNvPr>
+              <p:cNvSpPr/>
+              <p:nvPr/>
+            </p:nvSpPr>
+            <p:spPr>
+              <a:xfrm>
+                <a:off x="238716" y="2526595"/>
+                <a:ext cx="152400" cy="142875"/>
+              </a:xfrm>
+              <a:prstGeom prst="ellipse">
+                <a:avLst/>
+              </a:prstGeom>
+              <a:solidFill>
+                <a:schemeClr val="bg2"/>
+              </a:solidFill>
+              <a:ln>
+                <a:noFill/>
+              </a:ln>
+            </p:spPr>
+            <p:style>
+              <a:lnRef idx="2">
+                <a:schemeClr val="accent2">
+                  <a:shade val="50000"/>
+                </a:schemeClr>
+              </a:lnRef>
+              <a:fillRef idx="1">
+                <a:schemeClr val="accent2"/>
+              </a:fillRef>
+              <a:effectRef idx="0">
+                <a:schemeClr val="accent2"/>
+              </a:effectRef>
+              <a:fontRef idx="minor">
+                <a:schemeClr val="lt1"/>
+              </a:fontRef>
+            </p:style>
+            <p:txBody>
+              <a:bodyPr rtlCol="0" anchor="ctr"/>
+              <a:lstStyle/>
+              <a:p>
+                <a:pPr algn="ctr"/>
+                <a:endParaRPr lang="en-US"/>
+              </a:p>
+            </p:txBody>
+          </p:sp>
+        </p:grpSp>
+        <p:sp>
+          <p:nvSpPr>
+            <p:cNvPr id="48" name="Oval 47">
+              <a:extLst>
+                <a:ext uri="{FF2B5EF4-FFF2-40B4-BE49-F238E27FC236}">
+                  <a16:creationId xmlns:a16="http://schemas.microsoft.com/office/drawing/2014/main" id="{1DB28587-68F8-4B90-BCAB-9F2B30EE0B56}"/>
+                </a:ext>
+              </a:extLst>
+            </p:cNvPr>
+            <p:cNvSpPr/>
+            <p:nvPr/>
+          </p:nvSpPr>
+          <p:spPr>
+            <a:xfrm>
+              <a:off x="1926066" y="4475775"/>
+              <a:ext cx="152400" cy="142875"/>
+            </a:xfrm>
+            <a:prstGeom prst="ellipse">
+              <a:avLst/>
+            </a:prstGeom>
+            <a:solidFill>
+              <a:schemeClr val="bg2"/>
+            </a:solidFill>
+            <a:ln>
+              <a:noFill/>
+            </a:ln>
+          </p:spPr>
+          <p:style>
+            <a:lnRef idx="2">
+              <a:schemeClr val="accent2">
+                <a:shade val="50000"/>
+              </a:schemeClr>
+            </a:lnRef>
+            <a:fillRef idx="1">
+              <a:schemeClr val="accent2"/>
+            </a:fillRef>
+            <a:effectRef idx="0">
+              <a:schemeClr val="accent2"/>
+            </a:effectRef>
+            <a:fontRef idx="minor">
+              <a:schemeClr val="lt1"/>
+            </a:fontRef>
+          </p:style>
+          <p:txBody>
+            <a:bodyPr rtlCol="0" anchor="ctr"/>
+            <a:lstStyle/>
+            <a:p>
+              <a:pPr algn="ctr"/>
+              <a:endParaRPr lang="en-US"/>
+            </a:p>
+          </p:txBody>
+        </p:sp>
+      </p:grpSp>
+      <p:grpSp>
+        <p:nvGrpSpPr>
+          <p:cNvPr id="51" name="Group 50">
+            <a:extLst>
+              <a:ext uri="{FF2B5EF4-FFF2-40B4-BE49-F238E27FC236}">
+                <a16:creationId xmlns:a16="http://schemas.microsoft.com/office/drawing/2014/main" id="{356B56B8-97BC-48C8-AA81-02922514F621}"/>
+              </a:ext>
+            </a:extLst>
+          </p:cNvPr>
+          <p:cNvGrpSpPr/>
+          <p:nvPr/>
+        </p:nvGrpSpPr>
+        <p:grpSpPr>
+          <a:xfrm>
+            <a:off x="3007072" y="2092616"/>
+            <a:ext cx="786171" cy="962025"/>
+            <a:chOff x="2497528" y="1934885"/>
+            <a:chExt cx="786171" cy="962025"/>
+          </a:xfrm>
+        </p:grpSpPr>
+        <p:grpSp>
+          <p:nvGrpSpPr>
+            <p:cNvPr id="52" name="Group 51">
+              <a:extLst>
+                <a:ext uri="{FF2B5EF4-FFF2-40B4-BE49-F238E27FC236}">
+                  <a16:creationId xmlns:a16="http://schemas.microsoft.com/office/drawing/2014/main" id="{474D285A-167A-4D9D-A7A9-24A7B53458EF}"/>
+                </a:ext>
+              </a:extLst>
+            </p:cNvPr>
+            <p:cNvGrpSpPr/>
+            <p:nvPr/>
+          </p:nvGrpSpPr>
+          <p:grpSpPr>
+            <a:xfrm>
+              <a:off x="2497528" y="1934885"/>
+              <a:ext cx="786171" cy="962025"/>
+              <a:chOff x="2497528" y="1934885"/>
+              <a:chExt cx="786171" cy="962025"/>
+            </a:xfrm>
+          </p:grpSpPr>
+          <p:grpSp>
+            <p:nvGrpSpPr>
+              <p:cNvPr id="54" name="Group 53">
+                <a:extLst>
+                  <a:ext uri="{FF2B5EF4-FFF2-40B4-BE49-F238E27FC236}">
+                    <a16:creationId xmlns:a16="http://schemas.microsoft.com/office/drawing/2014/main" id="{11CEBFB1-1AA1-4D77-A56D-06CB5A22290A}"/>
+                  </a:ext>
+                </a:extLst>
+              </p:cNvPr>
+              <p:cNvGrpSpPr/>
+              <p:nvPr/>
+            </p:nvGrpSpPr>
+            <p:grpSpPr>
+              <a:xfrm>
+                <a:off x="2497528" y="1934885"/>
+                <a:ext cx="786171" cy="962025"/>
+                <a:chOff x="2497528" y="1934885"/>
+                <a:chExt cx="786171" cy="962025"/>
+              </a:xfrm>
+            </p:grpSpPr>
+            <p:grpSp>
+              <p:nvGrpSpPr>
+                <p:cNvPr id="56" name="Group 55">
+                  <a:extLst>
+                    <a:ext uri="{FF2B5EF4-FFF2-40B4-BE49-F238E27FC236}">
+                      <a16:creationId xmlns:a16="http://schemas.microsoft.com/office/drawing/2014/main" id="{C049D0B2-B9EE-4DD5-A355-8FE1F1343B21}"/>
+                    </a:ext>
+                  </a:extLst>
+                </p:cNvPr>
+                <p:cNvGrpSpPr/>
+                <p:nvPr/>
+              </p:nvGrpSpPr>
+              <p:grpSpPr>
+                <a:xfrm>
+                  <a:off x="2497528" y="1934885"/>
+                  <a:ext cx="786171" cy="962025"/>
+                  <a:chOff x="2881217" y="1848969"/>
+                  <a:chExt cx="786171" cy="962025"/>
+                </a:xfrm>
+              </p:grpSpPr>
+              <p:pic>
+                <p:nvPicPr>
+                  <p:cNvPr id="58" name="Picture 57" descr="A close up of a sign&#10;&#10;Description automatically generated">
+                    <a:extLst>
+                      <a:ext uri="{FF2B5EF4-FFF2-40B4-BE49-F238E27FC236}">
+                        <a16:creationId xmlns:a16="http://schemas.microsoft.com/office/drawing/2014/main" id="{3A85F760-B1EB-4C9C-A7FB-4875496A5EBE}"/>
+                      </a:ext>
+                    </a:extLst>
+                  </p:cNvPr>
+                  <p:cNvPicPr>
+                    <a:picLocks noChangeAspect="1"/>
+                  </p:cNvPicPr>
+                  <p:nvPr/>
+                </p:nvPicPr>
+                <p:blipFill rotWithShape="1">
+                  <a:blip r:embed="rId10">
+                    <a:extLst>
+                      <a:ext uri="{28A0092B-C50C-407E-A947-70E740481C1C}">
+                        <a14:useLocalDpi xmlns:a14="http://schemas.microsoft.com/office/drawing/2010/main" val="0"/>
+                      </a:ext>
+                    </a:extLst>
+                  </a:blip>
+                  <a:srcRect l="13436" t="5288" r="14194" b="6153"/>
+                  <a:stretch/>
+                </p:blipFill>
+                <p:spPr>
+                  <a:xfrm>
+                    <a:off x="2881217" y="1848969"/>
+                    <a:ext cx="786171" cy="962025"/>
+                  </a:xfrm>
+                  <a:prstGeom prst="rect">
+                    <a:avLst/>
+                  </a:prstGeom>
+                </p:spPr>
+              </p:pic>
+              <p:sp>
+                <p:nvSpPr>
+                  <p:cNvPr id="59" name="Oval 58">
+                    <a:extLst>
+                      <a:ext uri="{FF2B5EF4-FFF2-40B4-BE49-F238E27FC236}">
+                        <a16:creationId xmlns:a16="http://schemas.microsoft.com/office/drawing/2014/main" id="{DBEBE045-559A-4584-B3FB-F28EBBD39BA5}"/>
+                      </a:ext>
+                    </a:extLst>
+                  </p:cNvPr>
+                  <p:cNvSpPr/>
+                  <p:nvPr/>
+                </p:nvSpPr>
+                <p:spPr>
+                  <a:xfrm>
+                    <a:off x="3514988" y="1863090"/>
+                    <a:ext cx="152400" cy="142875"/>
+                  </a:xfrm>
+                  <a:prstGeom prst="ellipse">
+                    <a:avLst/>
+                  </a:prstGeom>
+                  <a:solidFill>
+                    <a:srgbClr val="7F58C2"/>
+                  </a:solidFill>
+                  <a:ln>
+                    <a:noFill/>
+                  </a:ln>
+                </p:spPr>
+                <p:style>
+                  <a:lnRef idx="2">
+                    <a:schemeClr val="accent2">
+                      <a:shade val="50000"/>
+                    </a:schemeClr>
+                  </a:lnRef>
+                  <a:fillRef idx="1">
+                    <a:schemeClr val="accent2"/>
+                  </a:fillRef>
+                  <a:effectRef idx="0">
+                    <a:schemeClr val="accent2"/>
+                  </a:effectRef>
+                  <a:fontRef idx="minor">
+                    <a:schemeClr val="lt1"/>
+                  </a:fontRef>
+                </p:style>
+                <p:txBody>
+                  <a:bodyPr rtlCol="0" anchor="ctr"/>
+                  <a:lstStyle/>
+                  <a:p>
+                    <a:pPr algn="ctr"/>
+                    <a:endParaRPr lang="en-US"/>
+                  </a:p>
+                </p:txBody>
+              </p:sp>
+            </p:grpSp>
+            <p:sp>
+              <p:nvSpPr>
+                <p:cNvPr id="57" name="Oval 56">
+                  <a:extLst>
+                    <a:ext uri="{FF2B5EF4-FFF2-40B4-BE49-F238E27FC236}">
+                      <a16:creationId xmlns:a16="http://schemas.microsoft.com/office/drawing/2014/main" id="{D8ACABF1-4087-4DEE-A80D-363008BCE527}"/>
+                    </a:ext>
+                  </a:extLst>
+                </p:cNvPr>
+                <p:cNvSpPr/>
+                <p:nvPr/>
+              </p:nvSpPr>
+              <p:spPr>
+                <a:xfrm>
+                  <a:off x="3131299" y="2280083"/>
+                  <a:ext cx="152400" cy="142875"/>
+                </a:xfrm>
+                <a:prstGeom prst="ellipse">
+                  <a:avLst/>
+                </a:prstGeom>
+                <a:solidFill>
+                  <a:srgbClr val="7F58C2"/>
+                </a:solidFill>
+                <a:ln>
+                  <a:noFill/>
+                </a:ln>
+              </p:spPr>
+              <p:style>
+                <a:lnRef idx="2">
+                  <a:schemeClr val="accent2">
+                    <a:shade val="50000"/>
+                  </a:schemeClr>
+                </a:lnRef>
+                <a:fillRef idx="1">
+                  <a:schemeClr val="accent2"/>
+                </a:fillRef>
+                <a:effectRef idx="0">
+                  <a:schemeClr val="accent2"/>
+                </a:effectRef>
+                <a:fontRef idx="minor">
+                  <a:schemeClr val="lt1"/>
+                </a:fontRef>
+              </p:style>
+              <p:txBody>
+                <a:bodyPr rtlCol="0" anchor="ctr"/>
+                <a:lstStyle/>
+                <a:p>
+                  <a:pPr algn="ctr"/>
+                  <a:endParaRPr lang="en-US"/>
+                </a:p>
+              </p:txBody>
+            </p:sp>
+          </p:grpSp>
+          <p:sp>
+            <p:nvSpPr>
+              <p:cNvPr id="55" name="Oval 54">
+                <a:extLst>
+                  <a:ext uri="{FF2B5EF4-FFF2-40B4-BE49-F238E27FC236}">
+                    <a16:creationId xmlns:a16="http://schemas.microsoft.com/office/drawing/2014/main" id="{0A1D9334-4304-48DC-89A5-34D67DB57092}"/>
+                  </a:ext>
+                </a:extLst>
+              </p:cNvPr>
+              <p:cNvSpPr/>
+              <p:nvPr/>
+            </p:nvSpPr>
+            <p:spPr>
+              <a:xfrm>
+                <a:off x="2520113" y="1950682"/>
+                <a:ext cx="152400" cy="142875"/>
+              </a:xfrm>
+              <a:prstGeom prst="ellipse">
+                <a:avLst/>
+              </a:prstGeom>
+              <a:solidFill>
+                <a:srgbClr val="7F58C2"/>
+              </a:solidFill>
+              <a:ln>
+                <a:noFill/>
+              </a:ln>
+            </p:spPr>
+            <p:style>
+              <a:lnRef idx="2">
+                <a:schemeClr val="accent2">
+                  <a:shade val="50000"/>
+                </a:schemeClr>
+              </a:lnRef>
+              <a:fillRef idx="1">
+                <a:schemeClr val="accent2"/>
+              </a:fillRef>
+              <a:effectRef idx="0">
+                <a:schemeClr val="accent2"/>
+              </a:effectRef>
+              <a:fontRef idx="minor">
+                <a:schemeClr val="lt1"/>
+              </a:fontRef>
+            </p:style>
+            <p:txBody>
+              <a:bodyPr rtlCol="0" anchor="ctr"/>
+              <a:lstStyle/>
+              <a:p>
+                <a:pPr algn="ctr"/>
+                <a:endParaRPr lang="en-US"/>
+              </a:p>
+            </p:txBody>
+          </p:sp>
+        </p:grpSp>
+        <p:sp>
+          <p:nvSpPr>
+            <p:cNvPr id="53" name="Oval 52">
+              <a:extLst>
+                <a:ext uri="{FF2B5EF4-FFF2-40B4-BE49-F238E27FC236}">
+                  <a16:creationId xmlns:a16="http://schemas.microsoft.com/office/drawing/2014/main" id="{0752C7AF-4B6D-4113-A618-B8012896507A}"/>
+                </a:ext>
+              </a:extLst>
+            </p:cNvPr>
+            <p:cNvSpPr/>
+            <p:nvPr/>
+          </p:nvSpPr>
+          <p:spPr>
+            <a:xfrm>
+              <a:off x="2520113" y="2718906"/>
+              <a:ext cx="152400" cy="142875"/>
+            </a:xfrm>
+            <a:prstGeom prst="ellipse">
+              <a:avLst/>
+            </a:prstGeom>
+            <a:solidFill>
+              <a:srgbClr val="7F58C2"/>
+            </a:solidFill>
+            <a:ln>
+              <a:noFill/>
+            </a:ln>
+          </p:spPr>
+          <p:style>
+            <a:lnRef idx="2">
+              <a:schemeClr val="accent2">
+                <a:shade val="50000"/>
+              </a:schemeClr>
+            </a:lnRef>
+            <a:fillRef idx="1">
+              <a:schemeClr val="accent2"/>
+            </a:fillRef>
+            <a:effectRef idx="0">
+              <a:schemeClr val="accent2"/>
+            </a:effectRef>
+            <a:fontRef idx="minor">
+              <a:schemeClr val="lt1"/>
+            </a:fontRef>
+          </p:style>
+          <p:txBody>
+            <a:bodyPr rtlCol="0" anchor="ctr"/>
+            <a:lstStyle/>
+            <a:p>
+              <a:pPr algn="ctr"/>
+              <a:endParaRPr lang="en-US"/>
+            </a:p>
+          </p:txBody>
+        </p:sp>
+      </p:grpSp>
+      <p:cxnSp>
+        <p:nvCxnSpPr>
+          <p:cNvPr id="60" name="Straight Connector 59">
+            <a:extLst>
+              <a:ext uri="{FF2B5EF4-FFF2-40B4-BE49-F238E27FC236}">
+                <a16:creationId xmlns:a16="http://schemas.microsoft.com/office/drawing/2014/main" id="{A84E2263-365B-4456-9E73-B39C5B0C9F3F}"/>
+              </a:ext>
+            </a:extLst>
+          </p:cNvPr>
+          <p:cNvCxnSpPr>
+            <a:cxnSpLocks/>
+            <a:stCxn id="48" idx="6"/>
+            <a:endCxn id="53" idx="3"/>
+          </p:cNvCxnSpPr>
+          <p:nvPr/>
+        </p:nvCxnSpPr>
+        <p:spPr>
+          <a:xfrm flipV="1">
+            <a:off x="2616817" y="2998588"/>
+            <a:ext cx="435158" cy="1287466"/>
+          </a:xfrm>
+          <a:prstGeom prst="line">
+            <a:avLst/>
+          </a:prstGeom>
+          <a:ln>
+            <a:solidFill>
+              <a:srgbClr val="7F58C2"/>
+            </a:solidFill>
+          </a:ln>
+        </p:spPr>
+        <p:style>
+          <a:lnRef idx="1">
+            <a:schemeClr val="accent1"/>
+          </a:lnRef>
+          <a:fillRef idx="0">
+            <a:schemeClr val="accent1"/>
+          </a:fillRef>
+          <a:effectRef idx="0">
+            <a:schemeClr val="accent1"/>
+          </a:effectRef>
+          <a:fontRef idx="minor">
+            <a:schemeClr val="tx1"/>
+          </a:fontRef>
+        </p:style>
+      </p:cxnSp>
+      <p:grpSp>
+        <p:nvGrpSpPr>
+          <p:cNvPr id="61" name="Group 60">
+            <a:extLst>
+              <a:ext uri="{FF2B5EF4-FFF2-40B4-BE49-F238E27FC236}">
+                <a16:creationId xmlns:a16="http://schemas.microsoft.com/office/drawing/2014/main" id="{7439C833-0D9E-43DE-BF4F-E284CB595362}"/>
+              </a:ext>
+            </a:extLst>
+          </p:cNvPr>
+          <p:cNvGrpSpPr/>
+          <p:nvPr/>
+        </p:nvGrpSpPr>
+        <p:grpSpPr>
+          <a:xfrm>
+            <a:off x="10212487" y="2867760"/>
+            <a:ext cx="919024" cy="927533"/>
+            <a:chOff x="9702943" y="2710029"/>
+            <a:chExt cx="919024" cy="927533"/>
+          </a:xfrm>
+        </p:grpSpPr>
+        <p:grpSp>
+          <p:nvGrpSpPr>
+            <p:cNvPr id="62" name="Group 61">
+              <a:extLst>
+                <a:ext uri="{FF2B5EF4-FFF2-40B4-BE49-F238E27FC236}">
+                  <a16:creationId xmlns:a16="http://schemas.microsoft.com/office/drawing/2014/main" id="{EFF26035-62F0-4545-935A-D585AD723F22}"/>
+                </a:ext>
+              </a:extLst>
+            </p:cNvPr>
+            <p:cNvGrpSpPr/>
+            <p:nvPr/>
+          </p:nvGrpSpPr>
+          <p:grpSpPr>
+            <a:xfrm>
+              <a:off x="9702943" y="2710029"/>
+              <a:ext cx="919024" cy="927533"/>
+              <a:chOff x="9702943" y="2710029"/>
+              <a:chExt cx="919024" cy="927533"/>
+            </a:xfrm>
+          </p:grpSpPr>
+          <p:pic>
+            <p:nvPicPr>
+              <p:cNvPr id="64" name="Picture 63" descr="A close up of a sign&#10;&#10;Description automatically generated">
+                <a:extLst>
+                  <a:ext uri="{FF2B5EF4-FFF2-40B4-BE49-F238E27FC236}">
+                    <a16:creationId xmlns:a16="http://schemas.microsoft.com/office/drawing/2014/main" id="{AEDA530B-3B24-44F4-B6E3-F9CF7F6A552A}"/>
+                  </a:ext>
+                </a:extLst>
+              </p:cNvPr>
+              <p:cNvPicPr>
+                <a:picLocks noChangeAspect="1"/>
+              </p:cNvPicPr>
+              <p:nvPr/>
+            </p:nvPicPr>
+            <p:blipFill rotWithShape="1">
+              <a:blip r:embed="rId11">
+                <a:extLst>
+                  <a:ext uri="{28A0092B-C50C-407E-A947-70E740481C1C}">
+                    <a14:useLocalDpi xmlns:a14="http://schemas.microsoft.com/office/drawing/2010/main" val="0"/>
+                  </a:ext>
+                </a:extLst>
+              </a:blip>
+              <a:srcRect l="31976" t="13684" r="33571" b="23483"/>
+              <a:stretch/>
+            </p:blipFill>
+            <p:spPr>
+              <a:xfrm>
+                <a:off x="9702943" y="2710029"/>
+                <a:ext cx="919024" cy="927533"/>
+              </a:xfrm>
+              <a:prstGeom prst="rect">
+                <a:avLst/>
+              </a:prstGeom>
+            </p:spPr>
+          </p:pic>
+          <p:sp>
+            <p:nvSpPr>
+              <p:cNvPr id="65" name="Oval 64">
+                <a:extLst>
+                  <a:ext uri="{FF2B5EF4-FFF2-40B4-BE49-F238E27FC236}">
+                    <a16:creationId xmlns:a16="http://schemas.microsoft.com/office/drawing/2014/main" id="{91EFFD31-6679-4064-8B47-8673CF07C420}"/>
+                  </a:ext>
+                </a:extLst>
+              </p:cNvPr>
+              <p:cNvSpPr/>
+              <p:nvPr/>
+            </p:nvSpPr>
+            <p:spPr>
+              <a:xfrm>
+                <a:off x="9746594" y="3472570"/>
+                <a:ext cx="152400" cy="142875"/>
+              </a:xfrm>
+              <a:prstGeom prst="ellipse">
+                <a:avLst/>
+              </a:prstGeom>
+              <a:solidFill>
+                <a:srgbClr val="D31E18"/>
+              </a:solidFill>
+              <a:ln>
+                <a:noFill/>
+              </a:ln>
+            </p:spPr>
+            <p:style>
+              <a:lnRef idx="2">
+                <a:schemeClr val="accent2">
+                  <a:shade val="50000"/>
+                </a:schemeClr>
+              </a:lnRef>
+              <a:fillRef idx="1">
+                <a:schemeClr val="accent2"/>
+              </a:fillRef>
+              <a:effectRef idx="0">
+                <a:schemeClr val="accent2"/>
+              </a:effectRef>
+              <a:fontRef idx="minor">
+                <a:schemeClr val="lt1"/>
+              </a:fontRef>
+            </p:style>
+            <p:txBody>
+              <a:bodyPr rtlCol="0" anchor="ctr"/>
+              <a:lstStyle/>
+              <a:p>
+                <a:pPr algn="ctr"/>
+                <a:endParaRPr lang="en-US"/>
+              </a:p>
+            </p:txBody>
+          </p:sp>
+        </p:grpSp>
+        <p:sp>
+          <p:nvSpPr>
+            <p:cNvPr id="63" name="Oval 62">
+              <a:extLst>
+                <a:ext uri="{FF2B5EF4-FFF2-40B4-BE49-F238E27FC236}">
+                  <a16:creationId xmlns:a16="http://schemas.microsoft.com/office/drawing/2014/main" id="{A10B9028-59B3-4EFB-AA76-C937606E90CD}"/>
+                </a:ext>
+              </a:extLst>
+            </p:cNvPr>
+            <p:cNvSpPr/>
+            <p:nvPr/>
+          </p:nvSpPr>
+          <p:spPr>
+            <a:xfrm>
+              <a:off x="10462596" y="3450057"/>
+              <a:ext cx="152400" cy="142875"/>
+            </a:xfrm>
+            <a:prstGeom prst="ellipse">
+              <a:avLst/>
+            </a:prstGeom>
+            <a:solidFill>
+              <a:srgbClr val="D31E18"/>
+            </a:solidFill>
+            <a:ln>
+              <a:noFill/>
+            </a:ln>
+          </p:spPr>
+          <p:style>
+            <a:lnRef idx="2">
+              <a:schemeClr val="accent2">
+                <a:shade val="50000"/>
+              </a:schemeClr>
+            </a:lnRef>
+            <a:fillRef idx="1">
+              <a:schemeClr val="accent2"/>
+            </a:fillRef>
+            <a:effectRef idx="0">
+              <a:schemeClr val="accent2"/>
+            </a:effectRef>
+            <a:fontRef idx="minor">
+              <a:schemeClr val="lt1"/>
+            </a:fontRef>
+          </p:style>
+          <p:txBody>
+            <a:bodyPr rtlCol="0" anchor="ctr"/>
+            <a:lstStyle/>
+            <a:p>
+              <a:pPr algn="ctr"/>
+              <a:endParaRPr lang="en-US"/>
+            </a:p>
+          </p:txBody>
+        </p:sp>
+      </p:grpSp>
+      <p:cxnSp>
+        <p:nvCxnSpPr>
+          <p:cNvPr id="66" name="Straight Connector 65">
+            <a:extLst>
+              <a:ext uri="{FF2B5EF4-FFF2-40B4-BE49-F238E27FC236}">
+                <a16:creationId xmlns:a16="http://schemas.microsoft.com/office/drawing/2014/main" id="{C81C3BCC-6991-48EB-8C49-85C9E63CBF2A}"/>
+              </a:ext>
+            </a:extLst>
+          </p:cNvPr>
+          <p:cNvCxnSpPr>
+            <a:cxnSpLocks/>
+            <a:stCxn id="71" idx="0"/>
+            <a:endCxn id="65" idx="4"/>
+          </p:cNvCxnSpPr>
+          <p:nvPr/>
+        </p:nvCxnSpPr>
+        <p:spPr>
+          <a:xfrm flipV="1">
+            <a:off x="9749844" y="3773176"/>
+            <a:ext cx="582494" cy="958966"/>
+          </a:xfrm>
+          <a:prstGeom prst="line">
+            <a:avLst/>
+          </a:prstGeom>
+          <a:ln>
+            <a:solidFill>
+              <a:srgbClr val="D31E18"/>
+            </a:solidFill>
+          </a:ln>
+        </p:spPr>
+        <p:style>
+          <a:lnRef idx="1">
+            <a:schemeClr val="accent1"/>
+          </a:lnRef>
+          <a:fillRef idx="0">
+            <a:schemeClr val="accent1"/>
+          </a:fillRef>
+          <a:effectRef idx="0">
+            <a:schemeClr val="accent1"/>
+          </a:effectRef>
+          <a:fontRef idx="minor">
+            <a:schemeClr val="tx1"/>
+          </a:fontRef>
+        </p:style>
+      </p:cxnSp>
+      <p:grpSp>
+        <p:nvGrpSpPr>
+          <p:cNvPr id="67" name="Group 66">
+            <a:extLst>
+              <a:ext uri="{FF2B5EF4-FFF2-40B4-BE49-F238E27FC236}">
+                <a16:creationId xmlns:a16="http://schemas.microsoft.com/office/drawing/2014/main" id="{3FCC84FA-A1CD-4419-BA32-CAF61095A09E}"/>
+              </a:ext>
+            </a:extLst>
+          </p:cNvPr>
+          <p:cNvGrpSpPr/>
+          <p:nvPr/>
+        </p:nvGrpSpPr>
+        <p:grpSpPr>
+          <a:xfrm>
+            <a:off x="9690054" y="4732142"/>
+            <a:ext cx="1929638" cy="1391384"/>
+            <a:chOff x="9180510" y="4574410"/>
+            <a:chExt cx="2375652" cy="1944487"/>
+          </a:xfrm>
+        </p:grpSpPr>
+        <p:grpSp>
+          <p:nvGrpSpPr>
+            <p:cNvPr id="68" name="Group 67">
+              <a:extLst>
+                <a:ext uri="{FF2B5EF4-FFF2-40B4-BE49-F238E27FC236}">
+                  <a16:creationId xmlns:a16="http://schemas.microsoft.com/office/drawing/2014/main" id="{6B3AB345-6EF0-44B1-9B83-7EE8FEC0C45E}"/>
+                </a:ext>
+              </a:extLst>
+            </p:cNvPr>
+            <p:cNvGrpSpPr/>
+            <p:nvPr/>
+          </p:nvGrpSpPr>
+          <p:grpSpPr>
+            <a:xfrm>
+              <a:off x="9180510" y="4574410"/>
+              <a:ext cx="2330211" cy="1944487"/>
+              <a:chOff x="9180510" y="4574410"/>
+              <a:chExt cx="2330211" cy="1944487"/>
+            </a:xfrm>
+          </p:grpSpPr>
+          <p:pic>
+            <p:nvPicPr>
+              <p:cNvPr id="70" name="Picture 69">
+                <a:extLst>
+                  <a:ext uri="{FF2B5EF4-FFF2-40B4-BE49-F238E27FC236}">
+                    <a16:creationId xmlns:a16="http://schemas.microsoft.com/office/drawing/2014/main" id="{7AC40717-D469-41EA-A6AC-F60D3E211912}"/>
+                  </a:ext>
+                </a:extLst>
+              </p:cNvPr>
+              <p:cNvPicPr>
+                <a:picLocks noChangeAspect="1"/>
+              </p:cNvPicPr>
+              <p:nvPr/>
+            </p:nvPicPr>
+            <p:blipFill>
+              <a:blip r:embed="rId12"/>
+              <a:stretch>
+                <a:fillRect/>
+              </a:stretch>
+            </p:blipFill>
+            <p:spPr>
+              <a:xfrm>
+                <a:off x="9254120" y="4629101"/>
+                <a:ext cx="2256601" cy="1889796"/>
+              </a:xfrm>
+              <a:prstGeom prst="rect">
+                <a:avLst/>
+              </a:prstGeom>
+            </p:spPr>
+          </p:pic>
+          <p:sp>
+            <p:nvSpPr>
+              <p:cNvPr id="71" name="Oval 70">
+                <a:extLst>
+                  <a:ext uri="{FF2B5EF4-FFF2-40B4-BE49-F238E27FC236}">
+                    <a16:creationId xmlns:a16="http://schemas.microsoft.com/office/drawing/2014/main" id="{C44AAAB5-CF64-452E-88D1-4401EBD0A11E}"/>
+                  </a:ext>
+                </a:extLst>
+              </p:cNvPr>
+              <p:cNvSpPr/>
+              <p:nvPr/>
+            </p:nvSpPr>
+            <p:spPr>
+              <a:xfrm>
+                <a:off x="9180510" y="4574410"/>
+                <a:ext cx="147219" cy="109381"/>
+              </a:xfrm>
+              <a:prstGeom prst="ellipse">
+                <a:avLst/>
+              </a:prstGeom>
+              <a:solidFill>
+                <a:schemeClr val="bg2"/>
+              </a:solidFill>
+              <a:ln>
+                <a:noFill/>
+              </a:ln>
+            </p:spPr>
+            <p:style>
+              <a:lnRef idx="2">
+                <a:schemeClr val="accent2">
+                  <a:shade val="50000"/>
+                </a:schemeClr>
+              </a:lnRef>
+              <a:fillRef idx="1">
+                <a:schemeClr val="accent2"/>
+              </a:fillRef>
+              <a:effectRef idx="0">
+                <a:schemeClr val="accent2"/>
+              </a:effectRef>
+              <a:fontRef idx="minor">
+                <a:schemeClr val="lt1"/>
+              </a:fontRef>
+            </p:style>
+            <p:txBody>
+              <a:bodyPr rtlCol="0" anchor="ctr"/>
+              <a:lstStyle/>
+              <a:p>
+                <a:pPr algn="ctr"/>
+                <a:endParaRPr lang="en-US"/>
+              </a:p>
+            </p:txBody>
+          </p:sp>
+        </p:grpSp>
+        <p:sp>
+          <p:nvSpPr>
+            <p:cNvPr id="69" name="Oval 68">
+              <a:extLst>
+                <a:ext uri="{FF2B5EF4-FFF2-40B4-BE49-F238E27FC236}">
+                  <a16:creationId xmlns:a16="http://schemas.microsoft.com/office/drawing/2014/main" id="{95A82871-6544-48C1-8A18-70AE01E3934D}"/>
+                </a:ext>
+              </a:extLst>
+            </p:cNvPr>
+            <p:cNvSpPr/>
+            <p:nvPr/>
+          </p:nvSpPr>
+          <p:spPr>
+            <a:xfrm>
+              <a:off x="11408943" y="4629100"/>
+              <a:ext cx="147219" cy="109381"/>
+            </a:xfrm>
+            <a:prstGeom prst="ellipse">
+              <a:avLst/>
+            </a:prstGeom>
+            <a:solidFill>
+              <a:schemeClr val="bg2"/>
+            </a:solidFill>
+            <a:ln>
+              <a:noFill/>
+            </a:ln>
+          </p:spPr>
+          <p:style>
+            <a:lnRef idx="2">
+              <a:schemeClr val="accent2">
+                <a:shade val="50000"/>
+              </a:schemeClr>
+            </a:lnRef>
+            <a:fillRef idx="1">
+              <a:schemeClr val="accent2"/>
+            </a:fillRef>
+            <a:effectRef idx="0">
+              <a:schemeClr val="accent2"/>
+            </a:effectRef>
+            <a:fontRef idx="minor">
+              <a:schemeClr val="lt1"/>
+            </a:fontRef>
+          </p:style>
+          <p:txBody>
+            <a:bodyPr rtlCol="0" anchor="ctr"/>
+            <a:lstStyle/>
+            <a:p>
+              <a:pPr algn="ctr"/>
+              <a:endParaRPr lang="en-US"/>
+            </a:p>
+          </p:txBody>
+        </p:sp>
+      </p:grpSp>
+      <p:cxnSp>
+        <p:nvCxnSpPr>
+          <p:cNvPr id="72" name="Straight Connector 71">
+            <a:extLst>
+              <a:ext uri="{FF2B5EF4-FFF2-40B4-BE49-F238E27FC236}">
+                <a16:creationId xmlns:a16="http://schemas.microsoft.com/office/drawing/2014/main" id="{800653FC-30D0-47E9-ACC4-2618C4E59791}"/>
+              </a:ext>
+            </a:extLst>
+          </p:cNvPr>
+          <p:cNvCxnSpPr>
+            <a:cxnSpLocks/>
+            <a:stCxn id="69" idx="7"/>
+            <a:endCxn id="63" idx="5"/>
+          </p:cNvCxnSpPr>
+          <p:nvPr/>
+        </p:nvCxnSpPr>
+        <p:spPr>
+          <a:xfrm flipH="1" flipV="1">
+            <a:off x="11102222" y="3729739"/>
+            <a:ext cx="499958" cy="1052999"/>
+          </a:xfrm>
+          <a:prstGeom prst="line">
+            <a:avLst/>
+          </a:prstGeom>
+          <a:ln>
+            <a:solidFill>
+              <a:srgbClr val="D31E18"/>
+            </a:solidFill>
+          </a:ln>
+        </p:spPr>
+        <p:style>
+          <a:lnRef idx="1">
+            <a:schemeClr val="accent1"/>
+          </a:lnRef>
+          <a:fillRef idx="0">
+            <a:schemeClr val="accent1"/>
+          </a:fillRef>
+          <a:effectRef idx="0">
+            <a:schemeClr val="accent1"/>
+          </a:effectRef>
+          <a:fontRef idx="minor">
+            <a:schemeClr val="tx1"/>
+          </a:fontRef>
+        </p:style>
+      </p:cxnSp>
+      <p:sp>
+        <p:nvSpPr>
+          <p:cNvPr id="73" name="TextBox 72">
+            <a:extLst>
+              <a:ext uri="{FF2B5EF4-FFF2-40B4-BE49-F238E27FC236}">
+                <a16:creationId xmlns:a16="http://schemas.microsoft.com/office/drawing/2014/main" id="{BDE04CFB-4BA5-4069-B3A1-15A10E747521}"/>
+              </a:ext>
+            </a:extLst>
+          </p:cNvPr>
+          <p:cNvSpPr txBox="1"/>
+          <p:nvPr/>
+        </p:nvSpPr>
+        <p:spPr>
+          <a:xfrm rot="2267727">
+            <a:off x="8688012" y="1836600"/>
+            <a:ext cx="1287323" cy="338554"/>
+          </a:xfrm>
+          <a:prstGeom prst="rect">
+            <a:avLst/>
+          </a:prstGeom>
+          <a:noFill/>
+        </p:spPr>
+        <p:txBody>
+          <a:bodyPr wrap="square" rtlCol="0">
+            <a:spAutoFit/>
+          </a:bodyPr>
+          <a:lstStyle/>
+          <a:p>
+            <a:pPr algn="ctr"/>
+            <a:r>
+              <a:rPr lang="en-US" sz="1600" b="1" i="1" dirty="0">
+                <a:solidFill>
+                  <a:srgbClr val="C00000"/>
+                </a:solidFill>
+              </a:rPr>
+              <a:t>24/7 Data</a:t>
+            </a:r>
+          </a:p>
+        </p:txBody>
+      </p:sp>
+    </p:spTree>
+    <p:extLst>
+      <p:ext uri="{BB962C8B-B14F-4D97-AF65-F5344CB8AC3E}">
+        <p14:creationId xmlns:p14="http://schemas.microsoft.com/office/powerpoint/2010/main" val="1340984373"/>
+      </p:ext>
+    </p:extLst>
+  </p:cSld>
+  <p:clrMapOvr>
+    <a:masterClrMapping/>
+  </p:clrMapOvr>
+</p:sld>
+</file>
+
+<file path=ppt/slides/slide6.xml><?xml version="1.0" encoding="utf-8"?>
+<p:sld xmlns:a="http://schemas.openxmlformats.org/drawingml/2006/main" xmlns:r="http://schemas.openxmlformats.org/officeDocument/2006/relationships" xmlns:p="http://schemas.openxmlformats.org/presentationml/2006/main">
+  <p:cSld>
+    <p:spTree>
+      <p:nvGrpSpPr>
+        <p:cNvPr id="1" name=""/>
+        <p:cNvGrpSpPr/>
+        <p:nvPr/>
+      </p:nvGrpSpPr>
+      <p:grpSpPr>
+        <a:xfrm>
+          <a:off x="0" y="0"/>
+          <a:ext cx="0" cy="0"/>
+          <a:chOff x="0" y="0"/>
+          <a:chExt cx="0" cy="0"/>
+        </a:xfrm>
+      </p:grpSpPr>
       <p:sp>
         <p:nvSpPr>
           <p:cNvPr id="2" name="Title 1">
@@ -8387,31 +11242,37 @@
           </a:p>
         </p:txBody>
       </p:sp>
-      <p:sp>
-        <p:nvSpPr>
-          <p:cNvPr id="3" name="Content Placeholder 2">
+      <p:pic>
+        <p:nvPicPr>
+          <p:cNvPr id="4" name="Picture 3">
+            <a:hlinkClick r:id="rId2"/>
             <a:extLst>
               <a:ext uri="{FF2B5EF4-FFF2-40B4-BE49-F238E27FC236}">
-                <a16:creationId xmlns:a16="http://schemas.microsoft.com/office/drawing/2014/main" id="{F6DB913E-70D0-3745-81F7-5991064555FC}"/>
+                <a16:creationId xmlns:a16="http://schemas.microsoft.com/office/drawing/2014/main" id="{D70043CD-AEFC-42D3-9920-9052D83D37C8}"/>
               </a:ext>
             </a:extLst>
           </p:cNvPr>
-          <p:cNvSpPr>
-            <a:spLocks noGrp="1"/>
-          </p:cNvSpPr>
-          <p:nvPr>
-            <p:ph idx="1"/>
-          </p:nvPr>
-        </p:nvSpPr>
-        <p:spPr/>
-        <p:txBody>
-          <a:bodyPr/>
-          <a:lstStyle/>
-          <a:p>
-            <a:endParaRPr lang="en-US" dirty="0"/>
-          </a:p>
-        </p:txBody>
-      </p:sp>
+          <p:cNvPicPr>
+            <a:picLocks noChangeAspect="1"/>
+          </p:cNvPicPr>
+          <p:nvPr/>
+        </p:nvPicPr>
+        <p:blipFill>
+          <a:blip r:embed="rId3"/>
+          <a:stretch>
+            <a:fillRect/>
+          </a:stretch>
+        </p:blipFill>
+        <p:spPr>
+          <a:xfrm>
+            <a:off x="2554663" y="1033935"/>
+            <a:ext cx="6796911" cy="5692090"/>
+          </a:xfrm>
+          <a:prstGeom prst="rect">
+            <a:avLst/>
+          </a:prstGeom>
+        </p:spPr>
+      </p:pic>
     </p:spTree>
     <p:extLst>
       <p:ext uri="{BB962C8B-B14F-4D97-AF65-F5344CB8AC3E}">
@@ -8425,7 +11286,7 @@
 </p:sld>
 </file>
 
-<file path=ppt/slides/slide6.xml><?xml version="1.0" encoding="utf-8"?>
+<file path=ppt/slides/slide7.xml><?xml version="1.0" encoding="utf-8"?>
 <p:sld xmlns:a="http://schemas.openxmlformats.org/drawingml/2006/main" xmlns:r="http://schemas.openxmlformats.org/officeDocument/2006/relationships" xmlns:p="http://schemas.openxmlformats.org/presentationml/2006/main">
   <p:cSld>
     <p:spTree>
@@ -9646,7 +12507,7 @@
 </p:sld>
 </file>
 
-<file path=ppt/slides/slide7.xml><?xml version="1.0" encoding="utf-8"?>
+<file path=ppt/slides/slide8.xml><?xml version="1.0" encoding="utf-8"?>
 <p:sld xmlns:a="http://schemas.openxmlformats.org/drawingml/2006/main" xmlns:r="http://schemas.openxmlformats.org/officeDocument/2006/relationships" xmlns:p="http://schemas.openxmlformats.org/presentationml/2006/main">
   <p:cSld>
     <p:spTree>
@@ -9729,7 +12590,7 @@
 </p:sld>
 </file>
 
-<file path=ppt/slides/slide8.xml><?xml version="1.0" encoding="utf-8"?>
+<file path=ppt/slides/slide9.xml><?xml version="1.0" encoding="utf-8"?>
 <p:sld xmlns:a="http://schemas.openxmlformats.org/drawingml/2006/main" xmlns:r="http://schemas.openxmlformats.org/officeDocument/2006/relationships" xmlns:p="http://schemas.openxmlformats.org/presentationml/2006/main">
   <p:cSld>
     <p:spTree>
@@ -10056,118 +12917,6 @@
     <p:extLst>
       <p:ext uri="{BB962C8B-B14F-4D97-AF65-F5344CB8AC3E}">
         <p14:creationId xmlns:p14="http://schemas.microsoft.com/office/powerpoint/2010/main" val="743564182"/>
-      </p:ext>
-    </p:extLst>
-  </p:cSld>
-  <p:clrMapOvr>
-    <a:masterClrMapping/>
-  </p:clrMapOvr>
-</p:sld>
-</file>
-
-<file path=ppt/slides/slide9.xml><?xml version="1.0" encoding="utf-8"?>
-<p:sld xmlns:a="http://schemas.openxmlformats.org/drawingml/2006/main" xmlns:r="http://schemas.openxmlformats.org/officeDocument/2006/relationships" xmlns:p="http://schemas.openxmlformats.org/presentationml/2006/main">
-  <p:cSld>
-    <p:bg>
-      <p:bgPr>
-        <a:solidFill>
-          <a:schemeClr val="bg1"/>
-        </a:solidFill>
-        <a:effectLst/>
-      </p:bgPr>
-    </p:bg>
-    <p:spTree>
-      <p:nvGrpSpPr>
-        <p:cNvPr id="1" name=""/>
-        <p:cNvGrpSpPr/>
-        <p:nvPr/>
-      </p:nvGrpSpPr>
-      <p:grpSpPr>
-        <a:xfrm>
-          <a:off x="0" y="0"/>
-          <a:ext cx="0" cy="0"/>
-          <a:chOff x="0" y="0"/>
-          <a:chExt cx="0" cy="0"/>
-        </a:xfrm>
-      </p:grpSpPr>
-      <p:sp>
-        <p:nvSpPr>
-          <p:cNvPr id="2" name="Title 1">
-            <a:extLst>
-              <a:ext uri="{FF2B5EF4-FFF2-40B4-BE49-F238E27FC236}">
-                <a16:creationId xmlns:a16="http://schemas.microsoft.com/office/drawing/2014/main" id="{16C4CB43-4E2F-E44B-9651-8C8F8F74EEF1}"/>
-              </a:ext>
-            </a:extLst>
-          </p:cNvPr>
-          <p:cNvSpPr>
-            <a:spLocks noGrp="1"/>
-          </p:cNvSpPr>
-          <p:nvPr>
-            <p:ph type="title"/>
-          </p:nvPr>
-        </p:nvSpPr>
-        <p:spPr>
-          <a:xfrm>
-            <a:off x="2304623" y="2816370"/>
-            <a:ext cx="2738432" cy="1225259"/>
-          </a:xfrm>
-        </p:spPr>
-        <p:txBody>
-          <a:bodyPr>
-            <a:normAutofit fontScale="90000"/>
-          </a:bodyPr>
-          <a:lstStyle/>
-          <a:p>
-            <a:r>
-              <a:rPr lang="en-US" sz="8800" dirty="0"/>
-              <a:t>Q &amp; A</a:t>
-            </a:r>
-          </a:p>
-        </p:txBody>
-      </p:sp>
-      <p:pic>
-        <p:nvPicPr>
-          <p:cNvPr id="7" name="Graphic 6" descr="Help">
-            <a:extLst>
-              <a:ext uri="{FF2B5EF4-FFF2-40B4-BE49-F238E27FC236}">
-                <a16:creationId xmlns:a16="http://schemas.microsoft.com/office/drawing/2014/main" id="{49FFC360-1A5D-472C-8FAF-17E5707588C7}"/>
-              </a:ext>
-            </a:extLst>
-          </p:cNvPr>
-          <p:cNvPicPr>
-            <a:picLocks noChangeAspect="1"/>
-          </p:cNvPicPr>
-          <p:nvPr/>
-        </p:nvPicPr>
-        <p:blipFill>
-          <a:blip r:embed="rId2">
-            <a:extLst>
-              <a:ext uri="{28A0092B-C50C-407E-A947-70E740481C1C}">
-                <a14:useLocalDpi xmlns:a14="http://schemas.microsoft.com/office/drawing/2010/main" val="0"/>
-              </a:ext>
-              <a:ext uri="{96DAC541-7B7A-43D3-8B79-37D633B846F1}">
-                <asvg:svgBlip xmlns:asvg="http://schemas.microsoft.com/office/drawing/2016/SVG/main" r:embed="rId3"/>
-              </a:ext>
-            </a:extLst>
-          </a:blip>
-          <a:stretch>
-            <a:fillRect/>
-          </a:stretch>
-        </p:blipFill>
-        <p:spPr>
-          <a:xfrm>
-            <a:off x="6098193" y="853757"/>
-            <a:ext cx="5176744" cy="5176744"/>
-          </a:xfrm>
-          <a:prstGeom prst="rect">
-            <a:avLst/>
-          </a:prstGeom>
-        </p:spPr>
-      </p:pic>
-    </p:spTree>
-    <p:extLst>
-      <p:ext uri="{BB962C8B-B14F-4D97-AF65-F5344CB8AC3E}">
-        <p14:creationId xmlns:p14="http://schemas.microsoft.com/office/powerpoint/2010/main" val="2332968331"/>
       </p:ext>
     </p:extLst>
   </p:cSld>
